--- a/Documents/Presentation.pptx
+++ b/Documents/Presentation.pptx
@@ -24,7 +24,7 @@
 </p:presentation>
 </file>
 
-<file path=ppt/charts/chart3.xml><?xml version="1.0" encoding="utf-8"?>
+<file path=ppt/charts/chart2.xml><?xml version="1.0" encoding="utf-8"?>
 <c:chartSpace xmlns:c="http://schemas.openxmlformats.org/drawingml/2006/chart" xmlns:a="http://schemas.openxmlformats.org/drawingml/2006/main" xmlns:r="http://schemas.openxmlformats.org/officeDocument/2006/relationships">
   <c:lang val="en-US"/>
   <c:roundedCorners val="0"/>
@@ -292,11 +292,11 @@
           </c:spPr>
         </c:hiLowLines>
         <c:marker val="1"/>
-        <c:axId val="77766584"/>
-        <c:axId val="35306723"/>
+        <c:axId val="68321469"/>
+        <c:axId val="48417177"/>
       </c:lineChart>
       <c:catAx>
-        <c:axId val="77766584"/>
+        <c:axId val="68321469"/>
         <c:scaling>
           <c:orientation val="minMax"/>
         </c:scaling>
@@ -328,7 +328,7 @@
             </a:pPr>
           </a:p>
         </c:txPr>
-        <c:crossAx val="35306723"/>
+        <c:crossAx val="48417177"/>
         <c:crosses val="autoZero"/>
         <c:auto val="1"/>
         <c:lblAlgn val="ctr"/>
@@ -336,7 +336,7 @@
         <c:noMultiLvlLbl val="0"/>
       </c:catAx>
       <c:valAx>
-        <c:axId val="35306723"/>
+        <c:axId val="48417177"/>
         <c:scaling>
           <c:orientation val="minMax"/>
         </c:scaling>
@@ -377,7 +377,7 @@
             </a:pPr>
           </a:p>
         </c:txPr>
-        <c:crossAx val="77766584"/>
+        <c:crossAx val="68321469"/>
         <c:crosses val="autoZero"/>
         <c:crossBetween val="midCat"/>
       </c:valAx>
@@ -480,7 +480,7 @@
         <p:txBody>
           <a:bodyPr/>
           <a:p>
-            <a:fld id="{8CE1C2C9-6A70-4D75-AB17-AEAA7F5B1030}" type="slidenum">
+            <a:fld id="{FC828CB1-D705-4B92-B40D-82FFAE3F3C0B}" type="slidenum">
               <a:t>&lt;#&gt;</a:t>
             </a:fld>
           </a:p>
@@ -542,7 +542,7 @@
         <p:spPr>
           <a:xfrm>
             <a:off x="504000" y="226080"/>
-            <a:ext cx="9070920" cy="945720"/>
+            <a:ext cx="9070200" cy="945000"/>
           </a:xfrm>
           <a:prstGeom prst="rect">
             <a:avLst/>
@@ -582,7 +582,7 @@
         <p:spPr>
           <a:xfrm>
             <a:off x="504000" y="1326600"/>
-            <a:ext cx="4426200" cy="747720"/>
+            <a:ext cx="1053360" cy="169560"/>
           </a:xfrm>
           <a:prstGeom prst="rect">
             <a:avLst/>
@@ -594,7 +594,7 @@
         </p:spPr>
         <p:txBody>
           <a:bodyPr lIns="0" rIns="0" tIns="0" bIns="0" anchor="t">
-            <a:normAutofit fontScale="90000"/>
+            <a:normAutofit fontScale="20000"/>
           </a:bodyPr>
           <a:p>
             <a:pPr indent="0">
@@ -624,8 +624,8 @@
         </p:nvSpPr>
         <p:spPr>
           <a:xfrm>
-            <a:off x="504000" y="2145600"/>
-            <a:ext cx="4426200" cy="747720"/>
+            <a:off x="504000" y="1512720"/>
+            <a:ext cx="1053360" cy="169560"/>
           </a:xfrm>
           <a:prstGeom prst="rect">
             <a:avLst/>
@@ -637,7 +637,7 @@
         </p:spPr>
         <p:txBody>
           <a:bodyPr lIns="0" rIns="0" tIns="0" bIns="0" anchor="t">
-            <a:normAutofit fontScale="90000"/>
+            <a:normAutofit fontScale="20000"/>
           </a:bodyPr>
           <a:p>
             <a:pPr indent="0">
@@ -689,7 +689,7 @@
         <p:txBody>
           <a:bodyPr/>
           <a:p>
-            <a:fld id="{02B2DE6F-9E09-426D-A5E7-09D26C4E2DB1}" type="slidenum">
+            <a:fld id="{46E99212-9258-4D44-B02E-DA5B1A568A09}" type="slidenum">
               <a:t>&lt;#&gt;</a:t>
             </a:fld>
           </a:p>
@@ -751,7 +751,7 @@
         <p:spPr>
           <a:xfrm>
             <a:off x="504000" y="226080"/>
-            <a:ext cx="9070920" cy="945720"/>
+            <a:ext cx="9070200" cy="945000"/>
           </a:xfrm>
           <a:prstGeom prst="rect">
             <a:avLst/>
@@ -791,7 +791,7 @@
         <p:spPr>
           <a:xfrm>
             <a:off x="504000" y="1326600"/>
-            <a:ext cx="2159640" cy="747720"/>
+            <a:ext cx="513720" cy="169560"/>
           </a:xfrm>
           <a:prstGeom prst="rect">
             <a:avLst/>
@@ -803,7 +803,7 @@
         </p:spPr>
         <p:txBody>
           <a:bodyPr lIns="0" rIns="0" tIns="0" bIns="0" anchor="t">
-            <a:normAutofit fontScale="82000"/>
+            <a:normAutofit fontScale="18000"/>
           </a:bodyPr>
           <a:p>
             <a:pPr indent="0">
@@ -833,8 +833,8 @@
         </p:nvSpPr>
         <p:spPr>
           <a:xfrm>
-            <a:off x="2772000" y="1326600"/>
-            <a:ext cx="2159640" cy="747720"/>
+            <a:off x="1043640" y="1326600"/>
+            <a:ext cx="513720" cy="169560"/>
           </a:xfrm>
           <a:prstGeom prst="rect">
             <a:avLst/>
@@ -846,7 +846,7 @@
         </p:spPr>
         <p:txBody>
           <a:bodyPr lIns="0" rIns="0" tIns="0" bIns="0" anchor="t">
-            <a:normAutofit fontScale="82000"/>
+            <a:normAutofit fontScale="18000"/>
           </a:bodyPr>
           <a:p>
             <a:pPr indent="0">
@@ -876,8 +876,8 @@
         </p:nvSpPr>
         <p:spPr>
           <a:xfrm>
-            <a:off x="504000" y="2145600"/>
-            <a:ext cx="2159640" cy="747720"/>
+            <a:off x="504000" y="1512720"/>
+            <a:ext cx="513720" cy="169560"/>
           </a:xfrm>
           <a:prstGeom prst="rect">
             <a:avLst/>
@@ -889,7 +889,7 @@
         </p:spPr>
         <p:txBody>
           <a:bodyPr lIns="0" rIns="0" tIns="0" bIns="0" anchor="t">
-            <a:normAutofit fontScale="82000"/>
+            <a:normAutofit fontScale="18000"/>
           </a:bodyPr>
           <a:p>
             <a:pPr indent="0">
@@ -919,8 +919,8 @@
         </p:nvSpPr>
         <p:spPr>
           <a:xfrm>
-            <a:off x="2772000" y="2145600"/>
-            <a:ext cx="2159640" cy="747720"/>
+            <a:off x="1043640" y="1512720"/>
+            <a:ext cx="513720" cy="169560"/>
           </a:xfrm>
           <a:prstGeom prst="rect">
             <a:avLst/>
@@ -932,7 +932,7 @@
         </p:spPr>
         <p:txBody>
           <a:bodyPr lIns="0" rIns="0" tIns="0" bIns="0" anchor="t">
-            <a:normAutofit fontScale="82000"/>
+            <a:normAutofit fontScale="18000"/>
           </a:bodyPr>
           <a:p>
             <a:pPr indent="0">
@@ -984,7 +984,7 @@
         <p:txBody>
           <a:bodyPr/>
           <a:p>
-            <a:fld id="{F5E62B06-53AF-409B-9D5D-B8D8B894D35B}" type="slidenum">
+            <a:fld id="{1398EB91-9771-44A0-B7E1-CABF689F1B16}" type="slidenum">
               <a:t>&lt;#&gt;</a:t>
             </a:fld>
           </a:p>
@@ -1046,7 +1046,7 @@
         <p:spPr>
           <a:xfrm>
             <a:off x="504000" y="226080"/>
-            <a:ext cx="9070920" cy="945720"/>
+            <a:ext cx="9070200" cy="945000"/>
           </a:xfrm>
           <a:prstGeom prst="rect">
             <a:avLst/>
@@ -1086,7 +1086,7 @@
         <p:spPr>
           <a:xfrm>
             <a:off x="504000" y="1326600"/>
-            <a:ext cx="1424880" cy="747720"/>
+            <a:ext cx="338760" cy="169560"/>
           </a:xfrm>
           <a:prstGeom prst="rect">
             <a:avLst/>
@@ -1098,7 +1098,7 @@
         </p:spPr>
         <p:txBody>
           <a:bodyPr lIns="0" rIns="0" tIns="0" bIns="0" anchor="t">
-            <a:normAutofit fontScale="52000"/>
+            <a:normAutofit fontScale="12000"/>
           </a:bodyPr>
           <a:p>
             <a:pPr indent="0">
@@ -1128,8 +1128,8 @@
         </p:nvSpPr>
         <p:spPr>
           <a:xfrm>
-            <a:off x="2000520" y="1326600"/>
-            <a:ext cx="1424880" cy="747720"/>
+            <a:off x="860040" y="1326600"/>
+            <a:ext cx="338760" cy="169560"/>
           </a:xfrm>
           <a:prstGeom prst="rect">
             <a:avLst/>
@@ -1141,7 +1141,7 @@
         </p:spPr>
         <p:txBody>
           <a:bodyPr lIns="0" rIns="0" tIns="0" bIns="0" anchor="t">
-            <a:normAutofit fontScale="52000"/>
+            <a:normAutofit fontScale="12000"/>
           </a:bodyPr>
           <a:p>
             <a:pPr indent="0">
@@ -1171,8 +1171,8 @@
         </p:nvSpPr>
         <p:spPr>
           <a:xfrm>
-            <a:off x="3497040" y="1326600"/>
-            <a:ext cx="1424880" cy="747720"/>
+            <a:off x="1216080" y="1326600"/>
+            <a:ext cx="338760" cy="169560"/>
           </a:xfrm>
           <a:prstGeom prst="rect">
             <a:avLst/>
@@ -1184,7 +1184,7 @@
         </p:spPr>
         <p:txBody>
           <a:bodyPr lIns="0" rIns="0" tIns="0" bIns="0" anchor="t">
-            <a:normAutofit fontScale="52000"/>
+            <a:normAutofit fontScale="12000"/>
           </a:bodyPr>
           <a:p>
             <a:pPr indent="0">
@@ -1214,8 +1214,8 @@
         </p:nvSpPr>
         <p:spPr>
           <a:xfrm>
-            <a:off x="504000" y="2145600"/>
-            <a:ext cx="1424880" cy="747720"/>
+            <a:off x="504000" y="1512720"/>
+            <a:ext cx="338760" cy="169560"/>
           </a:xfrm>
           <a:prstGeom prst="rect">
             <a:avLst/>
@@ -1227,7 +1227,7 @@
         </p:spPr>
         <p:txBody>
           <a:bodyPr lIns="0" rIns="0" tIns="0" bIns="0" anchor="t">
-            <a:normAutofit fontScale="52000"/>
+            <a:normAutofit fontScale="12000"/>
           </a:bodyPr>
           <a:p>
             <a:pPr indent="0">
@@ -1257,8 +1257,8 @@
         </p:nvSpPr>
         <p:spPr>
           <a:xfrm>
-            <a:off x="2000520" y="2145600"/>
-            <a:ext cx="1424880" cy="747720"/>
+            <a:off x="860040" y="1512720"/>
+            <a:ext cx="338760" cy="169560"/>
           </a:xfrm>
           <a:prstGeom prst="rect">
             <a:avLst/>
@@ -1270,7 +1270,7 @@
         </p:spPr>
         <p:txBody>
           <a:bodyPr lIns="0" rIns="0" tIns="0" bIns="0" anchor="t">
-            <a:normAutofit fontScale="52000"/>
+            <a:normAutofit fontScale="12000"/>
           </a:bodyPr>
           <a:p>
             <a:pPr indent="0">
@@ -1300,8 +1300,8 @@
         </p:nvSpPr>
         <p:spPr>
           <a:xfrm>
-            <a:off x="3497040" y="2145600"/>
-            <a:ext cx="1424880" cy="747720"/>
+            <a:off x="1216080" y="1512720"/>
+            <a:ext cx="338760" cy="169560"/>
           </a:xfrm>
           <a:prstGeom prst="rect">
             <a:avLst/>
@@ -1313,7 +1313,7 @@
         </p:spPr>
         <p:txBody>
           <a:bodyPr lIns="0" rIns="0" tIns="0" bIns="0" anchor="t">
-            <a:normAutofit fontScale="52000"/>
+            <a:normAutofit fontScale="12000"/>
           </a:bodyPr>
           <a:p>
             <a:pPr indent="0">
@@ -1365,7 +1365,7 @@
         <p:txBody>
           <a:bodyPr/>
           <a:p>
-            <a:fld id="{144104CA-B2F7-4A1E-9DE1-8C43744E9B30}" type="slidenum">
+            <a:fld id="{3B87ECA1-2DA8-43F9-ABD3-E3A2F3256C6B}" type="slidenum">
               <a:t>&lt;#&gt;</a:t>
             </a:fld>
           </a:p>
@@ -1448,7 +1448,7 @@
         <p:txBody>
           <a:bodyPr/>
           <a:p>
-            <a:fld id="{DFF7B29D-B71E-4213-9C1D-C16B2A609FCD}" type="slidenum">
+            <a:fld id="{BB443DBA-FA9A-49D2-A8A3-176AD13E4474}" type="slidenum">
               <a:t>&lt;#&gt;</a:t>
             </a:fld>
           </a:p>
@@ -1510,7 +1510,7 @@
         <p:spPr>
           <a:xfrm>
             <a:off x="504000" y="226080"/>
-            <a:ext cx="9070920" cy="945720"/>
+            <a:ext cx="9070200" cy="945000"/>
           </a:xfrm>
           <a:prstGeom prst="rect">
             <a:avLst/>
@@ -1549,8 +1549,8 @@
         </p:nvSpPr>
         <p:spPr>
           <a:xfrm>
-            <a:off x="504000" y="1326600"/>
-            <a:ext cx="4426200" cy="1567800"/>
+            <a:off x="504000" y="365040"/>
+            <a:ext cx="1053360" cy="2279160"/>
           </a:xfrm>
           <a:prstGeom prst="rect">
             <a:avLst/>
@@ -1611,7 +1611,7 @@
         <p:txBody>
           <a:bodyPr/>
           <a:p>
-            <a:fld id="{1FEFE886-6B56-4A77-9F65-9B6E704C61E8}" type="slidenum">
+            <a:fld id="{F56594E7-4576-4B80-84CF-484F56514605}" type="slidenum">
               <a:t>&lt;#&gt;</a:t>
             </a:fld>
           </a:p>
@@ -1673,7 +1673,7 @@
         <p:spPr>
           <a:xfrm>
             <a:off x="504000" y="226080"/>
-            <a:ext cx="9070920" cy="945720"/>
+            <a:ext cx="9070200" cy="945000"/>
           </a:xfrm>
           <a:prstGeom prst="rect">
             <a:avLst/>
@@ -1713,7 +1713,7 @@
         <p:spPr>
           <a:xfrm>
             <a:off x="504000" y="1326600"/>
-            <a:ext cx="4426200" cy="1567800"/>
+            <a:ext cx="1053360" cy="356040"/>
           </a:xfrm>
           <a:prstGeom prst="rect">
             <a:avLst/>
@@ -1725,7 +1725,7 @@
         </p:spPr>
         <p:txBody>
           <a:bodyPr lIns="0" rIns="0" tIns="0" bIns="0" anchor="t">
-            <a:normAutofit/>
+            <a:normAutofit fontScale="39000"/>
           </a:bodyPr>
           <a:p>
             <a:pPr indent="0">
@@ -1777,7 +1777,7 @@
         <p:txBody>
           <a:bodyPr/>
           <a:p>
-            <a:fld id="{B9644DF5-A78C-4C57-B411-FDF975A552B4}" type="slidenum">
+            <a:fld id="{AF90EFD8-27EA-4120-AD4D-A76BABFC3DCE}" type="slidenum">
               <a:t>&lt;#&gt;</a:t>
             </a:fld>
           </a:p>
@@ -1839,7 +1839,7 @@
         <p:spPr>
           <a:xfrm>
             <a:off x="504000" y="226080"/>
-            <a:ext cx="9070920" cy="945720"/>
+            <a:ext cx="9070200" cy="945000"/>
           </a:xfrm>
           <a:prstGeom prst="rect">
             <a:avLst/>
@@ -1879,7 +1879,7 @@
         <p:spPr>
           <a:xfrm>
             <a:off x="504000" y="1326600"/>
-            <a:ext cx="2159640" cy="1567800"/>
+            <a:ext cx="513720" cy="356040"/>
           </a:xfrm>
           <a:prstGeom prst="rect">
             <a:avLst/>
@@ -1891,7 +1891,7 @@
         </p:spPr>
         <p:txBody>
           <a:bodyPr lIns="0" rIns="0" tIns="0" bIns="0" anchor="t">
-            <a:normAutofit fontScale="89000"/>
+            <a:normAutofit fontScale="21000"/>
           </a:bodyPr>
           <a:p>
             <a:pPr indent="0">
@@ -1921,8 +1921,8 @@
         </p:nvSpPr>
         <p:spPr>
           <a:xfrm>
-            <a:off x="2772000" y="1326600"/>
-            <a:ext cx="2159640" cy="1567800"/>
+            <a:off x="1043640" y="1326600"/>
+            <a:ext cx="513720" cy="356040"/>
           </a:xfrm>
           <a:prstGeom prst="rect">
             <a:avLst/>
@@ -1934,7 +1934,7 @@
         </p:spPr>
         <p:txBody>
           <a:bodyPr lIns="0" rIns="0" tIns="0" bIns="0" anchor="t">
-            <a:normAutofit fontScale="89000"/>
+            <a:normAutofit fontScale="21000"/>
           </a:bodyPr>
           <a:p>
             <a:pPr indent="0">
@@ -1986,7 +1986,7 @@
         <p:txBody>
           <a:bodyPr/>
           <a:p>
-            <a:fld id="{B85B3A21-F26E-4B7E-A155-69DFF8654743}" type="slidenum">
+            <a:fld id="{8F74540B-6B31-420E-81E9-8C4B813EFAF2}" type="slidenum">
               <a:t>&lt;#&gt;</a:t>
             </a:fld>
           </a:p>
@@ -2048,7 +2048,7 @@
         <p:spPr>
           <a:xfrm>
             <a:off x="504000" y="226080"/>
-            <a:ext cx="9070920" cy="945720"/>
+            <a:ext cx="9070200" cy="945000"/>
           </a:xfrm>
           <a:prstGeom prst="rect">
             <a:avLst/>
@@ -2109,7 +2109,7 @@
         <p:txBody>
           <a:bodyPr/>
           <a:p>
-            <a:fld id="{72DC7F33-97FC-427C-A404-CE4603954F5E}" type="slidenum">
+            <a:fld id="{BC50E79B-2BEE-4160-8D05-B91F6B3CDE7A}" type="slidenum">
               <a:t>&lt;#&gt;</a:t>
             </a:fld>
           </a:p>
@@ -2171,7 +2171,7 @@
         <p:spPr>
           <a:xfrm>
             <a:off x="504000" y="226080"/>
-            <a:ext cx="9070920" cy="4385160"/>
+            <a:ext cx="9070200" cy="4381920"/>
           </a:xfrm>
           <a:prstGeom prst="rect">
             <a:avLst/>
@@ -2230,7 +2230,7 @@
         <p:txBody>
           <a:bodyPr/>
           <a:p>
-            <a:fld id="{0412BEC8-A7A6-4733-9CDF-7F6D20910A71}" type="slidenum">
+            <a:fld id="{1B21D46C-FD6F-4575-AAF2-F5C77788BD40}" type="slidenum">
               <a:t>&lt;#&gt;</a:t>
             </a:fld>
           </a:p>
@@ -2292,7 +2292,7 @@
         <p:spPr>
           <a:xfrm>
             <a:off x="504000" y="226080"/>
-            <a:ext cx="9070920" cy="945720"/>
+            <a:ext cx="9070200" cy="945000"/>
           </a:xfrm>
           <a:prstGeom prst="rect">
             <a:avLst/>
@@ -2332,7 +2332,7 @@
         <p:spPr>
           <a:xfrm>
             <a:off x="504000" y="1326600"/>
-            <a:ext cx="2159640" cy="747720"/>
+            <a:ext cx="513720" cy="169560"/>
           </a:xfrm>
           <a:prstGeom prst="rect">
             <a:avLst/>
@@ -2344,7 +2344,7 @@
         </p:spPr>
         <p:txBody>
           <a:bodyPr lIns="0" rIns="0" tIns="0" bIns="0" anchor="t">
-            <a:normAutofit fontScale="82000"/>
+            <a:normAutofit fontScale="18000"/>
           </a:bodyPr>
           <a:p>
             <a:pPr indent="0">
@@ -2374,8 +2374,8 @@
         </p:nvSpPr>
         <p:spPr>
           <a:xfrm>
-            <a:off x="2772000" y="1326600"/>
-            <a:ext cx="2159640" cy="1567800"/>
+            <a:off x="1043640" y="1326600"/>
+            <a:ext cx="513720" cy="356040"/>
           </a:xfrm>
           <a:prstGeom prst="rect">
             <a:avLst/>
@@ -2387,7 +2387,7 @@
         </p:spPr>
         <p:txBody>
           <a:bodyPr lIns="0" rIns="0" tIns="0" bIns="0" anchor="t">
-            <a:normAutofit fontScale="89000"/>
+            <a:normAutofit fontScale="21000"/>
           </a:bodyPr>
           <a:p>
             <a:pPr indent="0">
@@ -2417,8 +2417,8 @@
         </p:nvSpPr>
         <p:spPr>
           <a:xfrm>
-            <a:off x="504000" y="2145600"/>
-            <a:ext cx="2159640" cy="747720"/>
+            <a:off x="504000" y="1512720"/>
+            <a:ext cx="513720" cy="169560"/>
           </a:xfrm>
           <a:prstGeom prst="rect">
             <a:avLst/>
@@ -2430,7 +2430,7 @@
         </p:spPr>
         <p:txBody>
           <a:bodyPr lIns="0" rIns="0" tIns="0" bIns="0" anchor="t">
-            <a:normAutofit fontScale="82000"/>
+            <a:normAutofit fontScale="18000"/>
           </a:bodyPr>
           <a:p>
             <a:pPr indent="0">
@@ -2482,7 +2482,7 @@
         <p:txBody>
           <a:bodyPr/>
           <a:p>
-            <a:fld id="{41853948-5482-4ED4-BAD7-CDD10F3EAA96}" type="slidenum">
+            <a:fld id="{0DC7E0E2-8EA8-429A-9B4B-3D5533B26E9E}" type="slidenum">
               <a:t>&lt;#&gt;</a:t>
             </a:fld>
           </a:p>
@@ -2544,7 +2544,7 @@
         <p:spPr>
           <a:xfrm>
             <a:off x="504000" y="226080"/>
-            <a:ext cx="9070920" cy="945720"/>
+            <a:ext cx="9070200" cy="945000"/>
           </a:xfrm>
           <a:prstGeom prst="rect">
             <a:avLst/>
@@ -2583,8 +2583,8 @@
         </p:nvSpPr>
         <p:spPr>
           <a:xfrm>
-            <a:off x="504000" y="1326600"/>
-            <a:ext cx="4426200" cy="1567800"/>
+            <a:off x="504000" y="365040"/>
+            <a:ext cx="1053360" cy="2279160"/>
           </a:xfrm>
           <a:prstGeom prst="rect">
             <a:avLst/>
@@ -2645,7 +2645,7 @@
         <p:txBody>
           <a:bodyPr/>
           <a:p>
-            <a:fld id="{654698B3-3C64-4061-A645-7D8815D132CE}" type="slidenum">
+            <a:fld id="{2F131ADD-809A-44FF-A39E-6E0D66B26F37}" type="slidenum">
               <a:t>&lt;#&gt;</a:t>
             </a:fld>
           </a:p>
@@ -2707,7 +2707,7 @@
         <p:spPr>
           <a:xfrm>
             <a:off x="504000" y="226080"/>
-            <a:ext cx="9070920" cy="945720"/>
+            <a:ext cx="9070200" cy="945000"/>
           </a:xfrm>
           <a:prstGeom prst="rect">
             <a:avLst/>
@@ -2747,7 +2747,7 @@
         <p:spPr>
           <a:xfrm>
             <a:off x="504000" y="1326600"/>
-            <a:ext cx="2159640" cy="1567800"/>
+            <a:ext cx="513720" cy="356040"/>
           </a:xfrm>
           <a:prstGeom prst="rect">
             <a:avLst/>
@@ -2759,7 +2759,7 @@
         </p:spPr>
         <p:txBody>
           <a:bodyPr lIns="0" rIns="0" tIns="0" bIns="0" anchor="t">
-            <a:normAutofit fontScale="89000"/>
+            <a:normAutofit fontScale="21000"/>
           </a:bodyPr>
           <a:p>
             <a:pPr indent="0">
@@ -2789,8 +2789,8 @@
         </p:nvSpPr>
         <p:spPr>
           <a:xfrm>
-            <a:off x="2772000" y="1326600"/>
-            <a:ext cx="2159640" cy="747720"/>
+            <a:off x="1043640" y="1326600"/>
+            <a:ext cx="513720" cy="169560"/>
           </a:xfrm>
           <a:prstGeom prst="rect">
             <a:avLst/>
@@ -2802,7 +2802,7 @@
         </p:spPr>
         <p:txBody>
           <a:bodyPr lIns="0" rIns="0" tIns="0" bIns="0" anchor="t">
-            <a:normAutofit fontScale="82000"/>
+            <a:normAutofit fontScale="18000"/>
           </a:bodyPr>
           <a:p>
             <a:pPr indent="0">
@@ -2832,8 +2832,8 @@
         </p:nvSpPr>
         <p:spPr>
           <a:xfrm>
-            <a:off x="2772000" y="2145600"/>
-            <a:ext cx="2159640" cy="747720"/>
+            <a:off x="1043640" y="1512720"/>
+            <a:ext cx="513720" cy="169560"/>
           </a:xfrm>
           <a:prstGeom prst="rect">
             <a:avLst/>
@@ -2845,7 +2845,7 @@
         </p:spPr>
         <p:txBody>
           <a:bodyPr lIns="0" rIns="0" tIns="0" bIns="0" anchor="t">
-            <a:normAutofit fontScale="82000"/>
+            <a:normAutofit fontScale="18000"/>
           </a:bodyPr>
           <a:p>
             <a:pPr indent="0">
@@ -2897,7 +2897,7 @@
         <p:txBody>
           <a:bodyPr/>
           <a:p>
-            <a:fld id="{2A95B782-BEC6-4BEB-98E2-67AE7EEE9B58}" type="slidenum">
+            <a:fld id="{0ABE0669-9C6F-45EB-BEC1-4A504B3CAE6A}" type="slidenum">
               <a:t>&lt;#&gt;</a:t>
             </a:fld>
           </a:p>
@@ -2959,7 +2959,7 @@
         <p:spPr>
           <a:xfrm>
             <a:off x="504000" y="226080"/>
-            <a:ext cx="9070920" cy="945720"/>
+            <a:ext cx="9070200" cy="945000"/>
           </a:xfrm>
           <a:prstGeom prst="rect">
             <a:avLst/>
@@ -2999,7 +2999,7 @@
         <p:spPr>
           <a:xfrm>
             <a:off x="504000" y="1326600"/>
-            <a:ext cx="2159640" cy="747720"/>
+            <a:ext cx="513720" cy="169560"/>
           </a:xfrm>
           <a:prstGeom prst="rect">
             <a:avLst/>
@@ -3011,7 +3011,7 @@
         </p:spPr>
         <p:txBody>
           <a:bodyPr lIns="0" rIns="0" tIns="0" bIns="0" anchor="t">
-            <a:normAutofit fontScale="82000"/>
+            <a:normAutofit fontScale="18000"/>
           </a:bodyPr>
           <a:p>
             <a:pPr indent="0">
@@ -3041,8 +3041,8 @@
         </p:nvSpPr>
         <p:spPr>
           <a:xfrm>
-            <a:off x="2772000" y="1326600"/>
-            <a:ext cx="2159640" cy="747720"/>
+            <a:off x="1043640" y="1326600"/>
+            <a:ext cx="513720" cy="169560"/>
           </a:xfrm>
           <a:prstGeom prst="rect">
             <a:avLst/>
@@ -3054,7 +3054,7 @@
         </p:spPr>
         <p:txBody>
           <a:bodyPr lIns="0" rIns="0" tIns="0" bIns="0" anchor="t">
-            <a:normAutofit fontScale="82000"/>
+            <a:normAutofit fontScale="18000"/>
           </a:bodyPr>
           <a:p>
             <a:pPr indent="0">
@@ -3084,8 +3084,8 @@
         </p:nvSpPr>
         <p:spPr>
           <a:xfrm>
-            <a:off x="504000" y="2145600"/>
-            <a:ext cx="4426200" cy="747720"/>
+            <a:off x="504000" y="1512720"/>
+            <a:ext cx="1053360" cy="169560"/>
           </a:xfrm>
           <a:prstGeom prst="rect">
             <a:avLst/>
@@ -3097,7 +3097,7 @@
         </p:spPr>
         <p:txBody>
           <a:bodyPr lIns="0" rIns="0" tIns="0" bIns="0" anchor="t">
-            <a:normAutofit fontScale="90000"/>
+            <a:normAutofit fontScale="20000"/>
           </a:bodyPr>
           <a:p>
             <a:pPr indent="0">
@@ -3149,7 +3149,7 @@
         <p:txBody>
           <a:bodyPr/>
           <a:p>
-            <a:fld id="{B18EAB5F-16E4-4126-9E74-F24CC64D1216}" type="slidenum">
+            <a:fld id="{70AF3CE5-3C74-4937-B998-20C081703641}" type="slidenum">
               <a:t>&lt;#&gt;</a:t>
             </a:fld>
           </a:p>
@@ -3211,7 +3211,7 @@
         <p:spPr>
           <a:xfrm>
             <a:off x="504000" y="226080"/>
-            <a:ext cx="9070920" cy="945720"/>
+            <a:ext cx="9070200" cy="945000"/>
           </a:xfrm>
           <a:prstGeom prst="rect">
             <a:avLst/>
@@ -3251,7 +3251,7 @@
         <p:spPr>
           <a:xfrm>
             <a:off x="504000" y="1326600"/>
-            <a:ext cx="4426200" cy="747720"/>
+            <a:ext cx="1053360" cy="169560"/>
           </a:xfrm>
           <a:prstGeom prst="rect">
             <a:avLst/>
@@ -3263,7 +3263,7 @@
         </p:spPr>
         <p:txBody>
           <a:bodyPr lIns="0" rIns="0" tIns="0" bIns="0" anchor="t">
-            <a:normAutofit fontScale="90000"/>
+            <a:normAutofit fontScale="20000"/>
           </a:bodyPr>
           <a:p>
             <a:pPr indent="0">
@@ -3293,8 +3293,8 @@
         </p:nvSpPr>
         <p:spPr>
           <a:xfrm>
-            <a:off x="504000" y="2145600"/>
-            <a:ext cx="4426200" cy="747720"/>
+            <a:off x="504000" y="1512720"/>
+            <a:ext cx="1053360" cy="169560"/>
           </a:xfrm>
           <a:prstGeom prst="rect">
             <a:avLst/>
@@ -3306,7 +3306,7 @@
         </p:spPr>
         <p:txBody>
           <a:bodyPr lIns="0" rIns="0" tIns="0" bIns="0" anchor="t">
-            <a:normAutofit fontScale="90000"/>
+            <a:normAutofit fontScale="20000"/>
           </a:bodyPr>
           <a:p>
             <a:pPr indent="0">
@@ -3358,7 +3358,7 @@
         <p:txBody>
           <a:bodyPr/>
           <a:p>
-            <a:fld id="{AAF514B0-C1E7-440D-88BC-D3DAC42EDF91}" type="slidenum">
+            <a:fld id="{A8814C36-0CA2-4BE1-B603-0C195F201E09}" type="slidenum">
               <a:t>&lt;#&gt;</a:t>
             </a:fld>
           </a:p>
@@ -3420,7 +3420,7 @@
         <p:spPr>
           <a:xfrm>
             <a:off x="504000" y="226080"/>
-            <a:ext cx="9070920" cy="945720"/>
+            <a:ext cx="9070200" cy="945000"/>
           </a:xfrm>
           <a:prstGeom prst="rect">
             <a:avLst/>
@@ -3460,7 +3460,7 @@
         <p:spPr>
           <a:xfrm>
             <a:off x="504000" y="1326600"/>
-            <a:ext cx="2159640" cy="747720"/>
+            <a:ext cx="513720" cy="169560"/>
           </a:xfrm>
           <a:prstGeom prst="rect">
             <a:avLst/>
@@ -3472,7 +3472,7 @@
         </p:spPr>
         <p:txBody>
           <a:bodyPr lIns="0" rIns="0" tIns="0" bIns="0" anchor="t">
-            <a:normAutofit fontScale="82000"/>
+            <a:normAutofit fontScale="18000"/>
           </a:bodyPr>
           <a:p>
             <a:pPr indent="0">
@@ -3502,8 +3502,8 @@
         </p:nvSpPr>
         <p:spPr>
           <a:xfrm>
-            <a:off x="2772000" y="1326600"/>
-            <a:ext cx="2159640" cy="747720"/>
+            <a:off x="1043640" y="1326600"/>
+            <a:ext cx="513720" cy="169560"/>
           </a:xfrm>
           <a:prstGeom prst="rect">
             <a:avLst/>
@@ -3515,7 +3515,7 @@
         </p:spPr>
         <p:txBody>
           <a:bodyPr lIns="0" rIns="0" tIns="0" bIns="0" anchor="t">
-            <a:normAutofit fontScale="82000"/>
+            <a:normAutofit fontScale="18000"/>
           </a:bodyPr>
           <a:p>
             <a:pPr indent="0">
@@ -3545,8 +3545,8 @@
         </p:nvSpPr>
         <p:spPr>
           <a:xfrm>
-            <a:off x="504000" y="2145600"/>
-            <a:ext cx="2159640" cy="747720"/>
+            <a:off x="504000" y="1512720"/>
+            <a:ext cx="513720" cy="169560"/>
           </a:xfrm>
           <a:prstGeom prst="rect">
             <a:avLst/>
@@ -3558,7 +3558,7 @@
         </p:spPr>
         <p:txBody>
           <a:bodyPr lIns="0" rIns="0" tIns="0" bIns="0" anchor="t">
-            <a:normAutofit fontScale="82000"/>
+            <a:normAutofit fontScale="18000"/>
           </a:bodyPr>
           <a:p>
             <a:pPr indent="0">
@@ -3588,8 +3588,8 @@
         </p:nvSpPr>
         <p:spPr>
           <a:xfrm>
-            <a:off x="2772000" y="2145600"/>
-            <a:ext cx="2159640" cy="747720"/>
+            <a:off x="1043640" y="1512720"/>
+            <a:ext cx="513720" cy="169560"/>
           </a:xfrm>
           <a:prstGeom prst="rect">
             <a:avLst/>
@@ -3601,7 +3601,7 @@
         </p:spPr>
         <p:txBody>
           <a:bodyPr lIns="0" rIns="0" tIns="0" bIns="0" anchor="t">
-            <a:normAutofit fontScale="82000"/>
+            <a:normAutofit fontScale="18000"/>
           </a:bodyPr>
           <a:p>
             <a:pPr indent="0">
@@ -3653,7 +3653,7 @@
         <p:txBody>
           <a:bodyPr/>
           <a:p>
-            <a:fld id="{F35C1E3F-D1A2-4BEC-A643-2124C1B99F32}" type="slidenum">
+            <a:fld id="{1FC2A29D-B8D6-49EF-BA0F-9D56913DC1A9}" type="slidenum">
               <a:t>&lt;#&gt;</a:t>
             </a:fld>
           </a:p>
@@ -3715,7 +3715,7 @@
         <p:spPr>
           <a:xfrm>
             <a:off x="504000" y="226080"/>
-            <a:ext cx="9070920" cy="945720"/>
+            <a:ext cx="9070200" cy="945000"/>
           </a:xfrm>
           <a:prstGeom prst="rect">
             <a:avLst/>
@@ -3755,7 +3755,7 @@
         <p:spPr>
           <a:xfrm>
             <a:off x="504000" y="1326600"/>
-            <a:ext cx="1424880" cy="747720"/>
+            <a:ext cx="338760" cy="169560"/>
           </a:xfrm>
           <a:prstGeom prst="rect">
             <a:avLst/>
@@ -3767,7 +3767,7 @@
         </p:spPr>
         <p:txBody>
           <a:bodyPr lIns="0" rIns="0" tIns="0" bIns="0" anchor="t">
-            <a:normAutofit fontScale="52000"/>
+            <a:normAutofit fontScale="12000"/>
           </a:bodyPr>
           <a:p>
             <a:pPr indent="0">
@@ -3797,8 +3797,8 @@
         </p:nvSpPr>
         <p:spPr>
           <a:xfrm>
-            <a:off x="2000520" y="1326600"/>
-            <a:ext cx="1424880" cy="747720"/>
+            <a:off x="860040" y="1326600"/>
+            <a:ext cx="338760" cy="169560"/>
           </a:xfrm>
           <a:prstGeom prst="rect">
             <a:avLst/>
@@ -3810,7 +3810,7 @@
         </p:spPr>
         <p:txBody>
           <a:bodyPr lIns="0" rIns="0" tIns="0" bIns="0" anchor="t">
-            <a:normAutofit fontScale="52000"/>
+            <a:normAutofit fontScale="12000"/>
           </a:bodyPr>
           <a:p>
             <a:pPr indent="0">
@@ -3840,8 +3840,8 @@
         </p:nvSpPr>
         <p:spPr>
           <a:xfrm>
-            <a:off x="3497040" y="1326600"/>
-            <a:ext cx="1424880" cy="747720"/>
+            <a:off x="1216080" y="1326600"/>
+            <a:ext cx="338760" cy="169560"/>
           </a:xfrm>
           <a:prstGeom prst="rect">
             <a:avLst/>
@@ -3853,7 +3853,7 @@
         </p:spPr>
         <p:txBody>
           <a:bodyPr lIns="0" rIns="0" tIns="0" bIns="0" anchor="t">
-            <a:normAutofit fontScale="52000"/>
+            <a:normAutofit fontScale="12000"/>
           </a:bodyPr>
           <a:p>
             <a:pPr indent="0">
@@ -3883,8 +3883,8 @@
         </p:nvSpPr>
         <p:spPr>
           <a:xfrm>
-            <a:off x="504000" y="2145600"/>
-            <a:ext cx="1424880" cy="747720"/>
+            <a:off x="504000" y="1512720"/>
+            <a:ext cx="338760" cy="169560"/>
           </a:xfrm>
           <a:prstGeom prst="rect">
             <a:avLst/>
@@ -3896,7 +3896,7 @@
         </p:spPr>
         <p:txBody>
           <a:bodyPr lIns="0" rIns="0" tIns="0" bIns="0" anchor="t">
-            <a:normAutofit fontScale="52000"/>
+            <a:normAutofit fontScale="12000"/>
           </a:bodyPr>
           <a:p>
             <a:pPr indent="0">
@@ -3926,8 +3926,8 @@
         </p:nvSpPr>
         <p:spPr>
           <a:xfrm>
-            <a:off x="2000520" y="2145600"/>
-            <a:ext cx="1424880" cy="747720"/>
+            <a:off x="860040" y="1512720"/>
+            <a:ext cx="338760" cy="169560"/>
           </a:xfrm>
           <a:prstGeom prst="rect">
             <a:avLst/>
@@ -3939,7 +3939,7 @@
         </p:spPr>
         <p:txBody>
           <a:bodyPr lIns="0" rIns="0" tIns="0" bIns="0" anchor="t">
-            <a:normAutofit fontScale="52000"/>
+            <a:normAutofit fontScale="12000"/>
           </a:bodyPr>
           <a:p>
             <a:pPr indent="0">
@@ -3969,8 +3969,8 @@
         </p:nvSpPr>
         <p:spPr>
           <a:xfrm>
-            <a:off x="3497040" y="2145600"/>
-            <a:ext cx="1424880" cy="747720"/>
+            <a:off x="1216080" y="1512720"/>
+            <a:ext cx="338760" cy="169560"/>
           </a:xfrm>
           <a:prstGeom prst="rect">
             <a:avLst/>
@@ -3982,7 +3982,7 @@
         </p:spPr>
         <p:txBody>
           <a:bodyPr lIns="0" rIns="0" tIns="0" bIns="0" anchor="t">
-            <a:normAutofit fontScale="52000"/>
+            <a:normAutofit fontScale="12000"/>
           </a:bodyPr>
           <a:p>
             <a:pPr indent="0">
@@ -4034,7 +4034,7 @@
         <p:txBody>
           <a:bodyPr/>
           <a:p>
-            <a:fld id="{79A96A30-F85D-4925-8EC8-C55EB041A4AE}" type="slidenum">
+            <a:fld id="{0F3FEE4C-A743-4FD4-90EA-311A9788C790}" type="slidenum">
               <a:t>&lt;#&gt;</a:t>
             </a:fld>
           </a:p>
@@ -4117,7 +4117,7 @@
         <p:txBody>
           <a:bodyPr/>
           <a:p>
-            <a:fld id="{6B09E03E-8687-4D3A-811E-701228135254}" type="slidenum">
+            <a:fld id="{C1B4EA49-D2B5-479D-8B41-484CA80A79C7}" type="slidenum">
               <a:t>&lt;#&gt;</a:t>
             </a:fld>
           </a:p>
@@ -4179,7 +4179,7 @@
         <p:spPr>
           <a:xfrm>
             <a:off x="504000" y="226080"/>
-            <a:ext cx="9070920" cy="945720"/>
+            <a:ext cx="9070200" cy="945000"/>
           </a:xfrm>
           <a:prstGeom prst="rect">
             <a:avLst/>
@@ -4218,8 +4218,8 @@
         </p:nvSpPr>
         <p:spPr>
           <a:xfrm>
-            <a:off x="504000" y="1326600"/>
-            <a:ext cx="4426200" cy="1567800"/>
+            <a:off x="504000" y="365040"/>
+            <a:ext cx="1053360" cy="2279160"/>
           </a:xfrm>
           <a:prstGeom prst="rect">
             <a:avLst/>
@@ -4280,7 +4280,7 @@
         <p:txBody>
           <a:bodyPr/>
           <a:p>
-            <a:fld id="{B37FCA67-EEDD-4409-A9FF-288FBFED8E11}" type="slidenum">
+            <a:fld id="{56EB93B4-CBD8-46CC-A36A-D5630EC93BA4}" type="slidenum">
               <a:t>&lt;#&gt;</a:t>
             </a:fld>
           </a:p>
@@ -4342,7 +4342,7 @@
         <p:spPr>
           <a:xfrm>
             <a:off x="504000" y="226080"/>
-            <a:ext cx="9070920" cy="945720"/>
+            <a:ext cx="9070200" cy="945000"/>
           </a:xfrm>
           <a:prstGeom prst="rect">
             <a:avLst/>
@@ -4382,7 +4382,7 @@
         <p:spPr>
           <a:xfrm>
             <a:off x="504000" y="1326600"/>
-            <a:ext cx="4426200" cy="1567800"/>
+            <a:ext cx="1053360" cy="356040"/>
           </a:xfrm>
           <a:prstGeom prst="rect">
             <a:avLst/>
@@ -4394,7 +4394,7 @@
         </p:spPr>
         <p:txBody>
           <a:bodyPr lIns="0" rIns="0" tIns="0" bIns="0" anchor="t">
-            <a:normAutofit/>
+            <a:normAutofit fontScale="39000"/>
           </a:bodyPr>
           <a:p>
             <a:pPr indent="0">
@@ -4446,7 +4446,7 @@
         <p:txBody>
           <a:bodyPr/>
           <a:p>
-            <a:fld id="{4A23F349-3A58-4869-8AF5-5B5E036BBCC4}" type="slidenum">
+            <a:fld id="{F41BF1FD-2874-480E-9E67-32F71590B708}" type="slidenum">
               <a:t>&lt;#&gt;</a:t>
             </a:fld>
           </a:p>
@@ -4508,7 +4508,7 @@
         <p:spPr>
           <a:xfrm>
             <a:off x="504000" y="226080"/>
-            <a:ext cx="9070920" cy="945720"/>
+            <a:ext cx="9070200" cy="945000"/>
           </a:xfrm>
           <a:prstGeom prst="rect">
             <a:avLst/>
@@ -4548,7 +4548,7 @@
         <p:spPr>
           <a:xfrm>
             <a:off x="504000" y="1326600"/>
-            <a:ext cx="2159640" cy="1567800"/>
+            <a:ext cx="513720" cy="356040"/>
           </a:xfrm>
           <a:prstGeom prst="rect">
             <a:avLst/>
@@ -4560,7 +4560,7 @@
         </p:spPr>
         <p:txBody>
           <a:bodyPr lIns="0" rIns="0" tIns="0" bIns="0" anchor="t">
-            <a:normAutofit fontScale="89000"/>
+            <a:normAutofit fontScale="21000"/>
           </a:bodyPr>
           <a:p>
             <a:pPr indent="0">
@@ -4590,8 +4590,8 @@
         </p:nvSpPr>
         <p:spPr>
           <a:xfrm>
-            <a:off x="2772000" y="1326600"/>
-            <a:ext cx="2159640" cy="1567800"/>
+            <a:off x="1043640" y="1326600"/>
+            <a:ext cx="513720" cy="356040"/>
           </a:xfrm>
           <a:prstGeom prst="rect">
             <a:avLst/>
@@ -4603,7 +4603,7 @@
         </p:spPr>
         <p:txBody>
           <a:bodyPr lIns="0" rIns="0" tIns="0" bIns="0" anchor="t">
-            <a:normAutofit fontScale="89000"/>
+            <a:normAutofit fontScale="21000"/>
           </a:bodyPr>
           <a:p>
             <a:pPr indent="0">
@@ -4655,7 +4655,7 @@
         <p:txBody>
           <a:bodyPr/>
           <a:p>
-            <a:fld id="{A99D228F-6379-47D5-ACAE-DDB806729D66}" type="slidenum">
+            <a:fld id="{41D6DDD6-BDDB-4B9B-80FE-22DDB61C9424}" type="slidenum">
               <a:t>&lt;#&gt;</a:t>
             </a:fld>
           </a:p>
@@ -4717,7 +4717,7 @@
         <p:spPr>
           <a:xfrm>
             <a:off x="504000" y="226080"/>
-            <a:ext cx="9070920" cy="945720"/>
+            <a:ext cx="9070200" cy="945000"/>
           </a:xfrm>
           <a:prstGeom prst="rect">
             <a:avLst/>
@@ -4778,7 +4778,7 @@
         <p:txBody>
           <a:bodyPr/>
           <a:p>
-            <a:fld id="{53A6286F-557F-4F58-BC8F-B82AE715EF9F}" type="slidenum">
+            <a:fld id="{F6F497ED-23FD-42DF-9F86-C2540A7290B4}" type="slidenum">
               <a:t>&lt;#&gt;</a:t>
             </a:fld>
           </a:p>
@@ -4840,7 +4840,7 @@
         <p:spPr>
           <a:xfrm>
             <a:off x="504000" y="226080"/>
-            <a:ext cx="9070920" cy="945720"/>
+            <a:ext cx="9070200" cy="945000"/>
           </a:xfrm>
           <a:prstGeom prst="rect">
             <a:avLst/>
@@ -4880,7 +4880,7 @@
         <p:spPr>
           <a:xfrm>
             <a:off x="504000" y="1326600"/>
-            <a:ext cx="4426200" cy="1567800"/>
+            <a:ext cx="1053360" cy="356040"/>
           </a:xfrm>
           <a:prstGeom prst="rect">
             <a:avLst/>
@@ -4892,7 +4892,7 @@
         </p:spPr>
         <p:txBody>
           <a:bodyPr lIns="0" rIns="0" tIns="0" bIns="0" anchor="t">
-            <a:normAutofit/>
+            <a:normAutofit fontScale="39000"/>
           </a:bodyPr>
           <a:p>
             <a:pPr indent="0">
@@ -4944,7 +4944,7 @@
         <p:txBody>
           <a:bodyPr/>
           <a:p>
-            <a:fld id="{1C26AD2F-89D7-47CB-9E23-E35F427A64E9}" type="slidenum">
+            <a:fld id="{DEEB5993-3FF4-4CF6-9118-C0DA0B34024D}" type="slidenum">
               <a:t>&lt;#&gt;</a:t>
             </a:fld>
           </a:p>
@@ -5006,7 +5006,7 @@
         <p:spPr>
           <a:xfrm>
             <a:off x="504000" y="226080"/>
-            <a:ext cx="9070920" cy="4385160"/>
+            <a:ext cx="9070200" cy="4381920"/>
           </a:xfrm>
           <a:prstGeom prst="rect">
             <a:avLst/>
@@ -5065,7 +5065,7 @@
         <p:txBody>
           <a:bodyPr/>
           <a:p>
-            <a:fld id="{29B312D5-1E54-44A6-BCF5-58E259D49C44}" type="slidenum">
+            <a:fld id="{FA799FCC-CCBC-46D1-A020-97CA9953A1B1}" type="slidenum">
               <a:t>&lt;#&gt;</a:t>
             </a:fld>
           </a:p>
@@ -5127,7 +5127,7 @@
         <p:spPr>
           <a:xfrm>
             <a:off x="504000" y="226080"/>
-            <a:ext cx="9070920" cy="945720"/>
+            <a:ext cx="9070200" cy="945000"/>
           </a:xfrm>
           <a:prstGeom prst="rect">
             <a:avLst/>
@@ -5167,7 +5167,7 @@
         <p:spPr>
           <a:xfrm>
             <a:off x="504000" y="1326600"/>
-            <a:ext cx="2159640" cy="747720"/>
+            <a:ext cx="513720" cy="169560"/>
           </a:xfrm>
           <a:prstGeom prst="rect">
             <a:avLst/>
@@ -5179,7 +5179,7 @@
         </p:spPr>
         <p:txBody>
           <a:bodyPr lIns="0" rIns="0" tIns="0" bIns="0" anchor="t">
-            <a:normAutofit fontScale="82000"/>
+            <a:normAutofit fontScale="18000"/>
           </a:bodyPr>
           <a:p>
             <a:pPr indent="0">
@@ -5209,8 +5209,8 @@
         </p:nvSpPr>
         <p:spPr>
           <a:xfrm>
-            <a:off x="2772000" y="1326600"/>
-            <a:ext cx="2159640" cy="1567800"/>
+            <a:off x="1043640" y="1326600"/>
+            <a:ext cx="513720" cy="356040"/>
           </a:xfrm>
           <a:prstGeom prst="rect">
             <a:avLst/>
@@ -5222,7 +5222,7 @@
         </p:spPr>
         <p:txBody>
           <a:bodyPr lIns="0" rIns="0" tIns="0" bIns="0" anchor="t">
-            <a:normAutofit fontScale="89000"/>
+            <a:normAutofit fontScale="21000"/>
           </a:bodyPr>
           <a:p>
             <a:pPr indent="0">
@@ -5252,8 +5252,8 @@
         </p:nvSpPr>
         <p:spPr>
           <a:xfrm>
-            <a:off x="504000" y="2145600"/>
-            <a:ext cx="2159640" cy="747720"/>
+            <a:off x="504000" y="1512720"/>
+            <a:ext cx="513720" cy="169560"/>
           </a:xfrm>
           <a:prstGeom prst="rect">
             <a:avLst/>
@@ -5265,7 +5265,7 @@
         </p:spPr>
         <p:txBody>
           <a:bodyPr lIns="0" rIns="0" tIns="0" bIns="0" anchor="t">
-            <a:normAutofit fontScale="82000"/>
+            <a:normAutofit fontScale="18000"/>
           </a:bodyPr>
           <a:p>
             <a:pPr indent="0">
@@ -5317,7 +5317,7 @@
         <p:txBody>
           <a:bodyPr/>
           <a:p>
-            <a:fld id="{C71BD303-92FF-4D58-8E9B-01FF15804D34}" type="slidenum">
+            <a:fld id="{F8BB122A-8116-4016-A064-CC40E3AAF695}" type="slidenum">
               <a:t>&lt;#&gt;</a:t>
             </a:fld>
           </a:p>
@@ -5379,7 +5379,7 @@
         <p:spPr>
           <a:xfrm>
             <a:off x="504000" y="226080"/>
-            <a:ext cx="9070920" cy="945720"/>
+            <a:ext cx="9070200" cy="945000"/>
           </a:xfrm>
           <a:prstGeom prst="rect">
             <a:avLst/>
@@ -5419,7 +5419,7 @@
         <p:spPr>
           <a:xfrm>
             <a:off x="504000" y="1326600"/>
-            <a:ext cx="2159640" cy="1567800"/>
+            <a:ext cx="513720" cy="356040"/>
           </a:xfrm>
           <a:prstGeom prst="rect">
             <a:avLst/>
@@ -5431,7 +5431,7 @@
         </p:spPr>
         <p:txBody>
           <a:bodyPr lIns="0" rIns="0" tIns="0" bIns="0" anchor="t">
-            <a:normAutofit fontScale="89000"/>
+            <a:normAutofit fontScale="21000"/>
           </a:bodyPr>
           <a:p>
             <a:pPr indent="0">
@@ -5461,8 +5461,8 @@
         </p:nvSpPr>
         <p:spPr>
           <a:xfrm>
-            <a:off x="2772000" y="1326600"/>
-            <a:ext cx="2159640" cy="747720"/>
+            <a:off x="1043640" y="1326600"/>
+            <a:ext cx="513720" cy="169560"/>
           </a:xfrm>
           <a:prstGeom prst="rect">
             <a:avLst/>
@@ -5474,7 +5474,7 @@
         </p:spPr>
         <p:txBody>
           <a:bodyPr lIns="0" rIns="0" tIns="0" bIns="0" anchor="t">
-            <a:normAutofit fontScale="82000"/>
+            <a:normAutofit fontScale="18000"/>
           </a:bodyPr>
           <a:p>
             <a:pPr indent="0">
@@ -5504,8 +5504,8 @@
         </p:nvSpPr>
         <p:spPr>
           <a:xfrm>
-            <a:off x="2772000" y="2145600"/>
-            <a:ext cx="2159640" cy="747720"/>
+            <a:off x="1043640" y="1512720"/>
+            <a:ext cx="513720" cy="169560"/>
           </a:xfrm>
           <a:prstGeom prst="rect">
             <a:avLst/>
@@ -5517,7 +5517,7 @@
         </p:spPr>
         <p:txBody>
           <a:bodyPr lIns="0" rIns="0" tIns="0" bIns="0" anchor="t">
-            <a:normAutofit fontScale="82000"/>
+            <a:normAutofit fontScale="18000"/>
           </a:bodyPr>
           <a:p>
             <a:pPr indent="0">
@@ -5569,7 +5569,7 @@
         <p:txBody>
           <a:bodyPr/>
           <a:p>
-            <a:fld id="{7835F2B7-44CA-4DD1-9531-08E19D514042}" type="slidenum">
+            <a:fld id="{276FBEBC-ECA6-47EE-B51C-451F754BEBA1}" type="slidenum">
               <a:t>&lt;#&gt;</a:t>
             </a:fld>
           </a:p>
@@ -5631,7 +5631,7 @@
         <p:spPr>
           <a:xfrm>
             <a:off x="504000" y="226080"/>
-            <a:ext cx="9070920" cy="945720"/>
+            <a:ext cx="9070200" cy="945000"/>
           </a:xfrm>
           <a:prstGeom prst="rect">
             <a:avLst/>
@@ -5671,7 +5671,7 @@
         <p:spPr>
           <a:xfrm>
             <a:off x="504000" y="1326600"/>
-            <a:ext cx="2159640" cy="747720"/>
+            <a:ext cx="513720" cy="169560"/>
           </a:xfrm>
           <a:prstGeom prst="rect">
             <a:avLst/>
@@ -5683,7 +5683,7 @@
         </p:spPr>
         <p:txBody>
           <a:bodyPr lIns="0" rIns="0" tIns="0" bIns="0" anchor="t">
-            <a:normAutofit fontScale="82000"/>
+            <a:normAutofit fontScale="18000"/>
           </a:bodyPr>
           <a:p>
             <a:pPr indent="0">
@@ -5713,8 +5713,8 @@
         </p:nvSpPr>
         <p:spPr>
           <a:xfrm>
-            <a:off x="2772000" y="1326600"/>
-            <a:ext cx="2159640" cy="747720"/>
+            <a:off x="1043640" y="1326600"/>
+            <a:ext cx="513720" cy="169560"/>
           </a:xfrm>
           <a:prstGeom prst="rect">
             <a:avLst/>
@@ -5726,7 +5726,7 @@
         </p:spPr>
         <p:txBody>
           <a:bodyPr lIns="0" rIns="0" tIns="0" bIns="0" anchor="t">
-            <a:normAutofit fontScale="82000"/>
+            <a:normAutofit fontScale="18000"/>
           </a:bodyPr>
           <a:p>
             <a:pPr indent="0">
@@ -5756,8 +5756,8 @@
         </p:nvSpPr>
         <p:spPr>
           <a:xfrm>
-            <a:off x="504000" y="2145600"/>
-            <a:ext cx="4426200" cy="747720"/>
+            <a:off x="504000" y="1512720"/>
+            <a:ext cx="1053360" cy="169560"/>
           </a:xfrm>
           <a:prstGeom prst="rect">
             <a:avLst/>
@@ -5769,7 +5769,7 @@
         </p:spPr>
         <p:txBody>
           <a:bodyPr lIns="0" rIns="0" tIns="0" bIns="0" anchor="t">
-            <a:normAutofit fontScale="90000"/>
+            <a:normAutofit fontScale="20000"/>
           </a:bodyPr>
           <a:p>
             <a:pPr indent="0">
@@ -5821,7 +5821,7 @@
         <p:txBody>
           <a:bodyPr/>
           <a:p>
-            <a:fld id="{21BDA3F3-16A8-40A8-8DB8-C9D5D0ECD2A4}" type="slidenum">
+            <a:fld id="{508A9B02-F084-4E2B-BA1A-9185C6231247}" type="slidenum">
               <a:t>&lt;#&gt;</a:t>
             </a:fld>
           </a:p>
@@ -5883,7 +5883,7 @@
         <p:spPr>
           <a:xfrm>
             <a:off x="504000" y="226080"/>
-            <a:ext cx="9070920" cy="945720"/>
+            <a:ext cx="9070200" cy="945000"/>
           </a:xfrm>
           <a:prstGeom prst="rect">
             <a:avLst/>
@@ -5923,7 +5923,7 @@
         <p:spPr>
           <a:xfrm>
             <a:off x="504000" y="1326600"/>
-            <a:ext cx="4426200" cy="747720"/>
+            <a:ext cx="1053360" cy="169560"/>
           </a:xfrm>
           <a:prstGeom prst="rect">
             <a:avLst/>
@@ -5935,7 +5935,7 @@
         </p:spPr>
         <p:txBody>
           <a:bodyPr lIns="0" rIns="0" tIns="0" bIns="0" anchor="t">
-            <a:normAutofit fontScale="90000"/>
+            <a:normAutofit fontScale="20000"/>
           </a:bodyPr>
           <a:p>
             <a:pPr indent="0">
@@ -5965,8 +5965,8 @@
         </p:nvSpPr>
         <p:spPr>
           <a:xfrm>
-            <a:off x="504000" y="2145600"/>
-            <a:ext cx="4426200" cy="747720"/>
+            <a:off x="504000" y="1512720"/>
+            <a:ext cx="1053360" cy="169560"/>
           </a:xfrm>
           <a:prstGeom prst="rect">
             <a:avLst/>
@@ -5978,7 +5978,7 @@
         </p:spPr>
         <p:txBody>
           <a:bodyPr lIns="0" rIns="0" tIns="0" bIns="0" anchor="t">
-            <a:normAutofit fontScale="90000"/>
+            <a:normAutofit fontScale="20000"/>
           </a:bodyPr>
           <a:p>
             <a:pPr indent="0">
@@ -6030,7 +6030,7 @@
         <p:txBody>
           <a:bodyPr/>
           <a:p>
-            <a:fld id="{858BFF5B-EF91-4450-8BE0-3DCE6C1C3ABF}" type="slidenum">
+            <a:fld id="{49ADA1F3-3A15-412B-B372-5E2C219D98D5}" type="slidenum">
               <a:t>&lt;#&gt;</a:t>
             </a:fld>
           </a:p>
@@ -6092,7 +6092,7 @@
         <p:spPr>
           <a:xfrm>
             <a:off x="504000" y="226080"/>
-            <a:ext cx="9070920" cy="945720"/>
+            <a:ext cx="9070200" cy="945000"/>
           </a:xfrm>
           <a:prstGeom prst="rect">
             <a:avLst/>
@@ -6132,7 +6132,7 @@
         <p:spPr>
           <a:xfrm>
             <a:off x="504000" y="1326600"/>
-            <a:ext cx="2159640" cy="747720"/>
+            <a:ext cx="513720" cy="169560"/>
           </a:xfrm>
           <a:prstGeom prst="rect">
             <a:avLst/>
@@ -6144,7 +6144,7 @@
         </p:spPr>
         <p:txBody>
           <a:bodyPr lIns="0" rIns="0" tIns="0" bIns="0" anchor="t">
-            <a:normAutofit fontScale="82000"/>
+            <a:normAutofit fontScale="18000"/>
           </a:bodyPr>
           <a:p>
             <a:pPr indent="0">
@@ -6174,8 +6174,8 @@
         </p:nvSpPr>
         <p:spPr>
           <a:xfrm>
-            <a:off x="2772000" y="1326600"/>
-            <a:ext cx="2159640" cy="747720"/>
+            <a:off x="1043640" y="1326600"/>
+            <a:ext cx="513720" cy="169560"/>
           </a:xfrm>
           <a:prstGeom prst="rect">
             <a:avLst/>
@@ -6187,7 +6187,7 @@
         </p:spPr>
         <p:txBody>
           <a:bodyPr lIns="0" rIns="0" tIns="0" bIns="0" anchor="t">
-            <a:normAutofit fontScale="82000"/>
+            <a:normAutofit fontScale="18000"/>
           </a:bodyPr>
           <a:p>
             <a:pPr indent="0">
@@ -6217,8 +6217,8 @@
         </p:nvSpPr>
         <p:spPr>
           <a:xfrm>
-            <a:off x="504000" y="2145600"/>
-            <a:ext cx="2159640" cy="747720"/>
+            <a:off x="504000" y="1512720"/>
+            <a:ext cx="513720" cy="169560"/>
           </a:xfrm>
           <a:prstGeom prst="rect">
             <a:avLst/>
@@ -6230,7 +6230,7 @@
         </p:spPr>
         <p:txBody>
           <a:bodyPr lIns="0" rIns="0" tIns="0" bIns="0" anchor="t">
-            <a:normAutofit fontScale="82000"/>
+            <a:normAutofit fontScale="18000"/>
           </a:bodyPr>
           <a:p>
             <a:pPr indent="0">
@@ -6260,8 +6260,8 @@
         </p:nvSpPr>
         <p:spPr>
           <a:xfrm>
-            <a:off x="2772000" y="2145600"/>
-            <a:ext cx="2159640" cy="747720"/>
+            <a:off x="1043640" y="1512720"/>
+            <a:ext cx="513720" cy="169560"/>
           </a:xfrm>
           <a:prstGeom prst="rect">
             <a:avLst/>
@@ -6273,7 +6273,7 @@
         </p:spPr>
         <p:txBody>
           <a:bodyPr lIns="0" rIns="0" tIns="0" bIns="0" anchor="t">
-            <a:normAutofit fontScale="82000"/>
+            <a:normAutofit fontScale="18000"/>
           </a:bodyPr>
           <a:p>
             <a:pPr indent="0">
@@ -6325,7 +6325,7 @@
         <p:txBody>
           <a:bodyPr/>
           <a:p>
-            <a:fld id="{9DDEDF01-9F1B-41B6-97D2-FA137C905B60}" type="slidenum">
+            <a:fld id="{C6E62902-139D-45C0-8722-41D5B3C01C7C}" type="slidenum">
               <a:t>&lt;#&gt;</a:t>
             </a:fld>
           </a:p>
@@ -6387,7 +6387,7 @@
         <p:spPr>
           <a:xfrm>
             <a:off x="504000" y="226080"/>
-            <a:ext cx="9070920" cy="945720"/>
+            <a:ext cx="9070200" cy="945000"/>
           </a:xfrm>
           <a:prstGeom prst="rect">
             <a:avLst/>
@@ -6427,7 +6427,7 @@
         <p:spPr>
           <a:xfrm>
             <a:off x="504000" y="1326600"/>
-            <a:ext cx="1424880" cy="747720"/>
+            <a:ext cx="338760" cy="169560"/>
           </a:xfrm>
           <a:prstGeom prst="rect">
             <a:avLst/>
@@ -6439,7 +6439,7 @@
         </p:spPr>
         <p:txBody>
           <a:bodyPr lIns="0" rIns="0" tIns="0" bIns="0" anchor="t">
-            <a:normAutofit fontScale="52000"/>
+            <a:normAutofit fontScale="12000"/>
           </a:bodyPr>
           <a:p>
             <a:pPr indent="0">
@@ -6469,8 +6469,8 @@
         </p:nvSpPr>
         <p:spPr>
           <a:xfrm>
-            <a:off x="2000520" y="1326600"/>
-            <a:ext cx="1424880" cy="747720"/>
+            <a:off x="860040" y="1326600"/>
+            <a:ext cx="338760" cy="169560"/>
           </a:xfrm>
           <a:prstGeom prst="rect">
             <a:avLst/>
@@ -6482,7 +6482,7 @@
         </p:spPr>
         <p:txBody>
           <a:bodyPr lIns="0" rIns="0" tIns="0" bIns="0" anchor="t">
-            <a:normAutofit fontScale="52000"/>
+            <a:normAutofit fontScale="12000"/>
           </a:bodyPr>
           <a:p>
             <a:pPr indent="0">
@@ -6512,8 +6512,8 @@
         </p:nvSpPr>
         <p:spPr>
           <a:xfrm>
-            <a:off x="3497040" y="1326600"/>
-            <a:ext cx="1424880" cy="747720"/>
+            <a:off x="1216080" y="1326600"/>
+            <a:ext cx="338760" cy="169560"/>
           </a:xfrm>
           <a:prstGeom prst="rect">
             <a:avLst/>
@@ -6525,7 +6525,7 @@
         </p:spPr>
         <p:txBody>
           <a:bodyPr lIns="0" rIns="0" tIns="0" bIns="0" anchor="t">
-            <a:normAutofit fontScale="52000"/>
+            <a:normAutofit fontScale="12000"/>
           </a:bodyPr>
           <a:p>
             <a:pPr indent="0">
@@ -6555,8 +6555,8 @@
         </p:nvSpPr>
         <p:spPr>
           <a:xfrm>
-            <a:off x="504000" y="2145600"/>
-            <a:ext cx="1424880" cy="747720"/>
+            <a:off x="504000" y="1512720"/>
+            <a:ext cx="338760" cy="169560"/>
           </a:xfrm>
           <a:prstGeom prst="rect">
             <a:avLst/>
@@ -6568,7 +6568,7 @@
         </p:spPr>
         <p:txBody>
           <a:bodyPr lIns="0" rIns="0" tIns="0" bIns="0" anchor="t">
-            <a:normAutofit fontScale="52000"/>
+            <a:normAutofit fontScale="12000"/>
           </a:bodyPr>
           <a:p>
             <a:pPr indent="0">
@@ -6598,8 +6598,8 @@
         </p:nvSpPr>
         <p:spPr>
           <a:xfrm>
-            <a:off x="2000520" y="2145600"/>
-            <a:ext cx="1424880" cy="747720"/>
+            <a:off x="860040" y="1512720"/>
+            <a:ext cx="338760" cy="169560"/>
           </a:xfrm>
           <a:prstGeom prst="rect">
             <a:avLst/>
@@ -6611,7 +6611,7 @@
         </p:spPr>
         <p:txBody>
           <a:bodyPr lIns="0" rIns="0" tIns="0" bIns="0" anchor="t">
-            <a:normAutofit fontScale="52000"/>
+            <a:normAutofit fontScale="12000"/>
           </a:bodyPr>
           <a:p>
             <a:pPr indent="0">
@@ -6641,8 +6641,8 @@
         </p:nvSpPr>
         <p:spPr>
           <a:xfrm>
-            <a:off x="3497040" y="2145600"/>
-            <a:ext cx="1424880" cy="747720"/>
+            <a:off x="1216080" y="1512720"/>
+            <a:ext cx="338760" cy="169560"/>
           </a:xfrm>
           <a:prstGeom prst="rect">
             <a:avLst/>
@@ -6654,7 +6654,7 @@
         </p:spPr>
         <p:txBody>
           <a:bodyPr lIns="0" rIns="0" tIns="0" bIns="0" anchor="t">
-            <a:normAutofit fontScale="52000"/>
+            <a:normAutofit fontScale="12000"/>
           </a:bodyPr>
           <a:p>
             <a:pPr indent="0">
@@ -6706,7 +6706,7 @@
         <p:txBody>
           <a:bodyPr/>
           <a:p>
-            <a:fld id="{D26CC88A-0BD4-450E-AF5B-580D6CB90E40}" type="slidenum">
+            <a:fld id="{5FF831ED-A05B-4834-91EA-6BC71CBF49FF}" type="slidenum">
               <a:t>&lt;#&gt;</a:t>
             </a:fld>
           </a:p>
@@ -6789,7 +6789,7 @@
         <p:txBody>
           <a:bodyPr/>
           <a:p>
-            <a:fld id="{E96F4809-E786-4246-8844-2530D0F2FC75}" type="slidenum">
+            <a:fld id="{E916BC56-6854-49F7-8005-91EF558FDD1A}" type="slidenum">
               <a:t>&lt;#&gt;</a:t>
             </a:fld>
           </a:p>
@@ -6851,7 +6851,7 @@
         <p:spPr>
           <a:xfrm>
             <a:off x="504000" y="226080"/>
-            <a:ext cx="9070920" cy="945720"/>
+            <a:ext cx="9070200" cy="945000"/>
           </a:xfrm>
           <a:prstGeom prst="rect">
             <a:avLst/>
@@ -6890,8 +6890,8 @@
         </p:nvSpPr>
         <p:spPr>
           <a:xfrm>
-            <a:off x="504000" y="1326600"/>
-            <a:ext cx="4426200" cy="1567800"/>
+            <a:off x="504000" y="365040"/>
+            <a:ext cx="1053360" cy="2279160"/>
           </a:xfrm>
           <a:prstGeom prst="rect">
             <a:avLst/>
@@ -6952,7 +6952,7 @@
         <p:txBody>
           <a:bodyPr/>
           <a:p>
-            <a:fld id="{98334C5D-54A9-45E0-8AF6-E21611EDE9AF}" type="slidenum">
+            <a:fld id="{D8C02160-CFD0-4DB7-9062-DFF3404CEA48}" type="slidenum">
               <a:t>&lt;#&gt;</a:t>
             </a:fld>
           </a:p>
@@ -7014,7 +7014,7 @@
         <p:spPr>
           <a:xfrm>
             <a:off x="504000" y="226080"/>
-            <a:ext cx="9070920" cy="945720"/>
+            <a:ext cx="9070200" cy="945000"/>
           </a:xfrm>
           <a:prstGeom prst="rect">
             <a:avLst/>
@@ -7054,7 +7054,7 @@
         <p:spPr>
           <a:xfrm>
             <a:off x="504000" y="1326600"/>
-            <a:ext cx="4426200" cy="1567800"/>
+            <a:ext cx="1053360" cy="356040"/>
           </a:xfrm>
           <a:prstGeom prst="rect">
             <a:avLst/>
@@ -7066,7 +7066,7 @@
         </p:spPr>
         <p:txBody>
           <a:bodyPr lIns="0" rIns="0" tIns="0" bIns="0" anchor="t">
-            <a:normAutofit/>
+            <a:normAutofit fontScale="39000"/>
           </a:bodyPr>
           <a:p>
             <a:pPr indent="0">
@@ -7118,7 +7118,7 @@
         <p:txBody>
           <a:bodyPr/>
           <a:p>
-            <a:fld id="{893DAF3A-A544-4BC7-96B7-98D9F09B55F0}" type="slidenum">
+            <a:fld id="{B319C8D1-2993-47DE-8E55-7FD030A0A74A}" type="slidenum">
               <a:t>&lt;#&gt;</a:t>
             </a:fld>
           </a:p>
@@ -7180,7 +7180,7 @@
         <p:spPr>
           <a:xfrm>
             <a:off x="504000" y="226080"/>
-            <a:ext cx="9070920" cy="945720"/>
+            <a:ext cx="9070200" cy="945000"/>
           </a:xfrm>
           <a:prstGeom prst="rect">
             <a:avLst/>
@@ -7220,7 +7220,7 @@
         <p:spPr>
           <a:xfrm>
             <a:off x="504000" y="1326600"/>
-            <a:ext cx="2159640" cy="1567800"/>
+            <a:ext cx="513720" cy="356040"/>
           </a:xfrm>
           <a:prstGeom prst="rect">
             <a:avLst/>
@@ -7232,7 +7232,7 @@
         </p:spPr>
         <p:txBody>
           <a:bodyPr lIns="0" rIns="0" tIns="0" bIns="0" anchor="t">
-            <a:normAutofit fontScale="89000"/>
+            <a:normAutofit fontScale="21000"/>
           </a:bodyPr>
           <a:p>
             <a:pPr indent="0">
@@ -7262,8 +7262,8 @@
         </p:nvSpPr>
         <p:spPr>
           <a:xfrm>
-            <a:off x="2772000" y="1326600"/>
-            <a:ext cx="2159640" cy="1567800"/>
+            <a:off x="1043640" y="1326600"/>
+            <a:ext cx="513720" cy="356040"/>
           </a:xfrm>
           <a:prstGeom prst="rect">
             <a:avLst/>
@@ -7275,7 +7275,7 @@
         </p:spPr>
         <p:txBody>
           <a:bodyPr lIns="0" rIns="0" tIns="0" bIns="0" anchor="t">
-            <a:normAutofit fontScale="89000"/>
+            <a:normAutofit fontScale="21000"/>
           </a:bodyPr>
           <a:p>
             <a:pPr indent="0">
@@ -7327,7 +7327,7 @@
         <p:txBody>
           <a:bodyPr/>
           <a:p>
-            <a:fld id="{529FC0BA-6B76-4357-9FE6-E73F60ECBA61}" type="slidenum">
+            <a:fld id="{2311A353-0C0A-4CB6-9AA7-84B74C382335}" type="slidenum">
               <a:t>&lt;#&gt;</a:t>
             </a:fld>
           </a:p>
@@ -7389,7 +7389,7 @@
         <p:spPr>
           <a:xfrm>
             <a:off x="504000" y="226080"/>
-            <a:ext cx="9070920" cy="945720"/>
+            <a:ext cx="9070200" cy="945000"/>
           </a:xfrm>
           <a:prstGeom prst="rect">
             <a:avLst/>
@@ -7429,7 +7429,7 @@
         <p:spPr>
           <a:xfrm>
             <a:off x="504000" y="1326600"/>
-            <a:ext cx="2159640" cy="1567800"/>
+            <a:ext cx="513720" cy="356040"/>
           </a:xfrm>
           <a:prstGeom prst="rect">
             <a:avLst/>
@@ -7441,7 +7441,7 @@
         </p:spPr>
         <p:txBody>
           <a:bodyPr lIns="0" rIns="0" tIns="0" bIns="0" anchor="t">
-            <a:normAutofit fontScale="89000"/>
+            <a:normAutofit fontScale="21000"/>
           </a:bodyPr>
           <a:p>
             <a:pPr indent="0">
@@ -7471,8 +7471,8 @@
         </p:nvSpPr>
         <p:spPr>
           <a:xfrm>
-            <a:off x="2772000" y="1326600"/>
-            <a:ext cx="2159640" cy="1567800"/>
+            <a:off x="1043640" y="1326600"/>
+            <a:ext cx="513720" cy="356040"/>
           </a:xfrm>
           <a:prstGeom prst="rect">
             <a:avLst/>
@@ -7484,7 +7484,7 @@
         </p:spPr>
         <p:txBody>
           <a:bodyPr lIns="0" rIns="0" tIns="0" bIns="0" anchor="t">
-            <a:normAutofit fontScale="89000"/>
+            <a:normAutofit fontScale="21000"/>
           </a:bodyPr>
           <a:p>
             <a:pPr indent="0">
@@ -7536,7 +7536,7 @@
         <p:txBody>
           <a:bodyPr/>
           <a:p>
-            <a:fld id="{1CF151E0-1939-481A-8F3A-E211F505934F}" type="slidenum">
+            <a:fld id="{F01A532C-C4EA-48AD-A81A-BAE29D586AF7}" type="slidenum">
               <a:t>&lt;#&gt;</a:t>
             </a:fld>
           </a:p>
@@ -7598,7 +7598,7 @@
         <p:spPr>
           <a:xfrm>
             <a:off x="504000" y="226080"/>
-            <a:ext cx="9070920" cy="945720"/>
+            <a:ext cx="9070200" cy="945000"/>
           </a:xfrm>
           <a:prstGeom prst="rect">
             <a:avLst/>
@@ -7659,7 +7659,7 @@
         <p:txBody>
           <a:bodyPr/>
           <a:p>
-            <a:fld id="{AA55EB05-FD48-46E3-B42D-8E1FB78A3D42}" type="slidenum">
+            <a:fld id="{E825EF24-5E03-47D7-9D14-83F12432D5C3}" type="slidenum">
               <a:t>&lt;#&gt;</a:t>
             </a:fld>
           </a:p>
@@ -7721,7 +7721,7 @@
         <p:spPr>
           <a:xfrm>
             <a:off x="504000" y="226080"/>
-            <a:ext cx="9070920" cy="4385160"/>
+            <a:ext cx="9070200" cy="4381920"/>
           </a:xfrm>
           <a:prstGeom prst="rect">
             <a:avLst/>
@@ -7780,7 +7780,7 @@
         <p:txBody>
           <a:bodyPr/>
           <a:p>
-            <a:fld id="{DB4B1570-B535-404A-9052-E87FDAACA1EB}" type="slidenum">
+            <a:fld id="{2CED0604-B43B-4DD4-8896-F3050585CC48}" type="slidenum">
               <a:t>&lt;#&gt;</a:t>
             </a:fld>
           </a:p>
@@ -7842,7 +7842,7 @@
         <p:spPr>
           <a:xfrm>
             <a:off x="504000" y="226080"/>
-            <a:ext cx="9070920" cy="945720"/>
+            <a:ext cx="9070200" cy="945000"/>
           </a:xfrm>
           <a:prstGeom prst="rect">
             <a:avLst/>
@@ -7882,7 +7882,7 @@
         <p:spPr>
           <a:xfrm>
             <a:off x="504000" y="1326600"/>
-            <a:ext cx="2159640" cy="747720"/>
+            <a:ext cx="513720" cy="169560"/>
           </a:xfrm>
           <a:prstGeom prst="rect">
             <a:avLst/>
@@ -7894,7 +7894,7 @@
         </p:spPr>
         <p:txBody>
           <a:bodyPr lIns="0" rIns="0" tIns="0" bIns="0" anchor="t">
-            <a:normAutofit fontScale="82000"/>
+            <a:normAutofit fontScale="18000"/>
           </a:bodyPr>
           <a:p>
             <a:pPr indent="0">
@@ -7924,8 +7924,8 @@
         </p:nvSpPr>
         <p:spPr>
           <a:xfrm>
-            <a:off x="2772000" y="1326600"/>
-            <a:ext cx="2159640" cy="1567800"/>
+            <a:off x="1043640" y="1326600"/>
+            <a:ext cx="513720" cy="356040"/>
           </a:xfrm>
           <a:prstGeom prst="rect">
             <a:avLst/>
@@ -7937,7 +7937,7 @@
         </p:spPr>
         <p:txBody>
           <a:bodyPr lIns="0" rIns="0" tIns="0" bIns="0" anchor="t">
-            <a:normAutofit fontScale="89000"/>
+            <a:normAutofit fontScale="21000"/>
           </a:bodyPr>
           <a:p>
             <a:pPr indent="0">
@@ -7967,8 +7967,8 @@
         </p:nvSpPr>
         <p:spPr>
           <a:xfrm>
-            <a:off x="504000" y="2145600"/>
-            <a:ext cx="2159640" cy="747720"/>
+            <a:off x="504000" y="1512720"/>
+            <a:ext cx="513720" cy="169560"/>
           </a:xfrm>
           <a:prstGeom prst="rect">
             <a:avLst/>
@@ -7980,7 +7980,7 @@
         </p:spPr>
         <p:txBody>
           <a:bodyPr lIns="0" rIns="0" tIns="0" bIns="0" anchor="t">
-            <a:normAutofit fontScale="82000"/>
+            <a:normAutofit fontScale="18000"/>
           </a:bodyPr>
           <a:p>
             <a:pPr indent="0">
@@ -8032,7 +8032,7 @@
         <p:txBody>
           <a:bodyPr/>
           <a:p>
-            <a:fld id="{861366EB-9B3E-4A49-9D34-A0A3C351DD77}" type="slidenum">
+            <a:fld id="{9AE6DDC0-49C3-4CE1-B465-6AC95AD7F2D2}" type="slidenum">
               <a:t>&lt;#&gt;</a:t>
             </a:fld>
           </a:p>
@@ -8094,7 +8094,7 @@
         <p:spPr>
           <a:xfrm>
             <a:off x="504000" y="226080"/>
-            <a:ext cx="9070920" cy="945720"/>
+            <a:ext cx="9070200" cy="945000"/>
           </a:xfrm>
           <a:prstGeom prst="rect">
             <a:avLst/>
@@ -8134,7 +8134,7 @@
         <p:spPr>
           <a:xfrm>
             <a:off x="504000" y="1326600"/>
-            <a:ext cx="2159640" cy="1567800"/>
+            <a:ext cx="513720" cy="356040"/>
           </a:xfrm>
           <a:prstGeom prst="rect">
             <a:avLst/>
@@ -8146,7 +8146,7 @@
         </p:spPr>
         <p:txBody>
           <a:bodyPr lIns="0" rIns="0" tIns="0" bIns="0" anchor="t">
-            <a:normAutofit fontScale="89000"/>
+            <a:normAutofit fontScale="21000"/>
           </a:bodyPr>
           <a:p>
             <a:pPr indent="0">
@@ -8176,8 +8176,8 @@
         </p:nvSpPr>
         <p:spPr>
           <a:xfrm>
-            <a:off x="2772000" y="1326600"/>
-            <a:ext cx="2159640" cy="747720"/>
+            <a:off x="1043640" y="1326600"/>
+            <a:ext cx="513720" cy="169560"/>
           </a:xfrm>
           <a:prstGeom prst="rect">
             <a:avLst/>
@@ -8189,7 +8189,7 @@
         </p:spPr>
         <p:txBody>
           <a:bodyPr lIns="0" rIns="0" tIns="0" bIns="0" anchor="t">
-            <a:normAutofit fontScale="82000"/>
+            <a:normAutofit fontScale="18000"/>
           </a:bodyPr>
           <a:p>
             <a:pPr indent="0">
@@ -8219,8 +8219,8 @@
         </p:nvSpPr>
         <p:spPr>
           <a:xfrm>
-            <a:off x="2772000" y="2145600"/>
-            <a:ext cx="2159640" cy="747720"/>
+            <a:off x="1043640" y="1512720"/>
+            <a:ext cx="513720" cy="169560"/>
           </a:xfrm>
           <a:prstGeom prst="rect">
             <a:avLst/>
@@ -8232,7 +8232,7 @@
         </p:spPr>
         <p:txBody>
           <a:bodyPr lIns="0" rIns="0" tIns="0" bIns="0" anchor="t">
-            <a:normAutofit fontScale="82000"/>
+            <a:normAutofit fontScale="18000"/>
           </a:bodyPr>
           <a:p>
             <a:pPr indent="0">
@@ -8284,7 +8284,7 @@
         <p:txBody>
           <a:bodyPr/>
           <a:p>
-            <a:fld id="{6CFC87E2-CC2B-4E71-AE81-18D602D99E33}" type="slidenum">
+            <a:fld id="{8A86019A-5F9B-47FB-BF60-EEA9D90B2514}" type="slidenum">
               <a:t>&lt;#&gt;</a:t>
             </a:fld>
           </a:p>
@@ -8346,7 +8346,7 @@
         <p:spPr>
           <a:xfrm>
             <a:off x="504000" y="226080"/>
-            <a:ext cx="9070920" cy="945720"/>
+            <a:ext cx="9070200" cy="945000"/>
           </a:xfrm>
           <a:prstGeom prst="rect">
             <a:avLst/>
@@ -8386,7 +8386,7 @@
         <p:spPr>
           <a:xfrm>
             <a:off x="504000" y="1326600"/>
-            <a:ext cx="2159640" cy="747720"/>
+            <a:ext cx="513720" cy="169560"/>
           </a:xfrm>
           <a:prstGeom prst="rect">
             <a:avLst/>
@@ -8398,7 +8398,7 @@
         </p:spPr>
         <p:txBody>
           <a:bodyPr lIns="0" rIns="0" tIns="0" bIns="0" anchor="t">
-            <a:normAutofit fontScale="82000"/>
+            <a:normAutofit fontScale="18000"/>
           </a:bodyPr>
           <a:p>
             <a:pPr indent="0">
@@ -8428,8 +8428,8 @@
         </p:nvSpPr>
         <p:spPr>
           <a:xfrm>
-            <a:off x="2772000" y="1326600"/>
-            <a:ext cx="2159640" cy="747720"/>
+            <a:off x="1043640" y="1326600"/>
+            <a:ext cx="513720" cy="169560"/>
           </a:xfrm>
           <a:prstGeom prst="rect">
             <a:avLst/>
@@ -8441,7 +8441,7 @@
         </p:spPr>
         <p:txBody>
           <a:bodyPr lIns="0" rIns="0" tIns="0" bIns="0" anchor="t">
-            <a:normAutofit fontScale="82000"/>
+            <a:normAutofit fontScale="18000"/>
           </a:bodyPr>
           <a:p>
             <a:pPr indent="0">
@@ -8471,8 +8471,8 @@
         </p:nvSpPr>
         <p:spPr>
           <a:xfrm>
-            <a:off x="504000" y="2145600"/>
-            <a:ext cx="4426200" cy="747720"/>
+            <a:off x="504000" y="1512720"/>
+            <a:ext cx="1053360" cy="169560"/>
           </a:xfrm>
           <a:prstGeom prst="rect">
             <a:avLst/>
@@ -8484,7 +8484,7 @@
         </p:spPr>
         <p:txBody>
           <a:bodyPr lIns="0" rIns="0" tIns="0" bIns="0" anchor="t">
-            <a:normAutofit fontScale="90000"/>
+            <a:normAutofit fontScale="20000"/>
           </a:bodyPr>
           <a:p>
             <a:pPr indent="0">
@@ -8536,7 +8536,7 @@
         <p:txBody>
           <a:bodyPr/>
           <a:p>
-            <a:fld id="{611FA4A5-290A-4875-A46B-89D1F137F75E}" type="slidenum">
+            <a:fld id="{9A11281F-D9DD-453E-AD31-DDB54225A5A1}" type="slidenum">
               <a:t>&lt;#&gt;</a:t>
             </a:fld>
           </a:p>
@@ -8598,7 +8598,7 @@
         <p:spPr>
           <a:xfrm>
             <a:off x="504000" y="226080"/>
-            <a:ext cx="9070920" cy="945720"/>
+            <a:ext cx="9070200" cy="945000"/>
           </a:xfrm>
           <a:prstGeom prst="rect">
             <a:avLst/>
@@ -8638,7 +8638,7 @@
         <p:spPr>
           <a:xfrm>
             <a:off x="504000" y="1326600"/>
-            <a:ext cx="4426200" cy="747720"/>
+            <a:ext cx="1053360" cy="169560"/>
           </a:xfrm>
           <a:prstGeom prst="rect">
             <a:avLst/>
@@ -8650,7 +8650,7 @@
         </p:spPr>
         <p:txBody>
           <a:bodyPr lIns="0" rIns="0" tIns="0" bIns="0" anchor="t">
-            <a:normAutofit fontScale="90000"/>
+            <a:normAutofit fontScale="20000"/>
           </a:bodyPr>
           <a:p>
             <a:pPr indent="0">
@@ -8680,8 +8680,8 @@
         </p:nvSpPr>
         <p:spPr>
           <a:xfrm>
-            <a:off x="504000" y="2145600"/>
-            <a:ext cx="4426200" cy="747720"/>
+            <a:off x="504000" y="1512720"/>
+            <a:ext cx="1053360" cy="169560"/>
           </a:xfrm>
           <a:prstGeom prst="rect">
             <a:avLst/>
@@ -8693,7 +8693,7 @@
         </p:spPr>
         <p:txBody>
           <a:bodyPr lIns="0" rIns="0" tIns="0" bIns="0" anchor="t">
-            <a:normAutofit fontScale="90000"/>
+            <a:normAutofit fontScale="20000"/>
           </a:bodyPr>
           <a:p>
             <a:pPr indent="0">
@@ -8745,7 +8745,7 @@
         <p:txBody>
           <a:bodyPr/>
           <a:p>
-            <a:fld id="{0244A953-EBEC-44C7-94F3-6074EA843847}" type="slidenum">
+            <a:fld id="{99C0CDD8-A797-42D7-9D7F-5FDF620564F9}" type="slidenum">
               <a:t>&lt;#&gt;</a:t>
             </a:fld>
           </a:p>
@@ -8807,7 +8807,7 @@
         <p:spPr>
           <a:xfrm>
             <a:off x="504000" y="226080"/>
-            <a:ext cx="9070920" cy="945720"/>
+            <a:ext cx="9070200" cy="945000"/>
           </a:xfrm>
           <a:prstGeom prst="rect">
             <a:avLst/>
@@ -8847,7 +8847,7 @@
         <p:spPr>
           <a:xfrm>
             <a:off x="504000" y="1326600"/>
-            <a:ext cx="2159640" cy="747720"/>
+            <a:ext cx="513720" cy="169560"/>
           </a:xfrm>
           <a:prstGeom prst="rect">
             <a:avLst/>
@@ -8859,7 +8859,7 @@
         </p:spPr>
         <p:txBody>
           <a:bodyPr lIns="0" rIns="0" tIns="0" bIns="0" anchor="t">
-            <a:normAutofit fontScale="82000"/>
+            <a:normAutofit fontScale="18000"/>
           </a:bodyPr>
           <a:p>
             <a:pPr indent="0">
@@ -8889,8 +8889,8 @@
         </p:nvSpPr>
         <p:spPr>
           <a:xfrm>
-            <a:off x="2772000" y="1326600"/>
-            <a:ext cx="2159640" cy="747720"/>
+            <a:off x="1043640" y="1326600"/>
+            <a:ext cx="513720" cy="169560"/>
           </a:xfrm>
           <a:prstGeom prst="rect">
             <a:avLst/>
@@ -8902,7 +8902,7 @@
         </p:spPr>
         <p:txBody>
           <a:bodyPr lIns="0" rIns="0" tIns="0" bIns="0" anchor="t">
-            <a:normAutofit fontScale="82000"/>
+            <a:normAutofit fontScale="18000"/>
           </a:bodyPr>
           <a:p>
             <a:pPr indent="0">
@@ -8932,8 +8932,8 @@
         </p:nvSpPr>
         <p:spPr>
           <a:xfrm>
-            <a:off x="504000" y="2145600"/>
-            <a:ext cx="2159640" cy="747720"/>
+            <a:off x="504000" y="1512720"/>
+            <a:ext cx="513720" cy="169560"/>
           </a:xfrm>
           <a:prstGeom prst="rect">
             <a:avLst/>
@@ -8945,7 +8945,7 @@
         </p:spPr>
         <p:txBody>
           <a:bodyPr lIns="0" rIns="0" tIns="0" bIns="0" anchor="t">
-            <a:normAutofit fontScale="82000"/>
+            <a:normAutofit fontScale="18000"/>
           </a:bodyPr>
           <a:p>
             <a:pPr indent="0">
@@ -8975,8 +8975,8 @@
         </p:nvSpPr>
         <p:spPr>
           <a:xfrm>
-            <a:off x="2772000" y="2145600"/>
-            <a:ext cx="2159640" cy="747720"/>
+            <a:off x="1043640" y="1512720"/>
+            <a:ext cx="513720" cy="169560"/>
           </a:xfrm>
           <a:prstGeom prst="rect">
             <a:avLst/>
@@ -8988,7 +8988,7 @@
         </p:spPr>
         <p:txBody>
           <a:bodyPr lIns="0" rIns="0" tIns="0" bIns="0" anchor="t">
-            <a:normAutofit fontScale="82000"/>
+            <a:normAutofit fontScale="18000"/>
           </a:bodyPr>
           <a:p>
             <a:pPr indent="0">
@@ -9040,7 +9040,7 @@
         <p:txBody>
           <a:bodyPr/>
           <a:p>
-            <a:fld id="{C5CF30C7-DB1F-44BB-AF74-0E34C1828D14}" type="slidenum">
+            <a:fld id="{DC4FD221-31D4-4A39-8562-6BC85AFBE650}" type="slidenum">
               <a:t>&lt;#&gt;</a:t>
             </a:fld>
           </a:p>
@@ -9102,7 +9102,7 @@
         <p:spPr>
           <a:xfrm>
             <a:off x="504000" y="226080"/>
-            <a:ext cx="9070920" cy="945720"/>
+            <a:ext cx="9070200" cy="945000"/>
           </a:xfrm>
           <a:prstGeom prst="rect">
             <a:avLst/>
@@ -9142,7 +9142,7 @@
         <p:spPr>
           <a:xfrm>
             <a:off x="504000" y="1326600"/>
-            <a:ext cx="1424880" cy="747720"/>
+            <a:ext cx="338760" cy="169560"/>
           </a:xfrm>
           <a:prstGeom prst="rect">
             <a:avLst/>
@@ -9154,7 +9154,7 @@
         </p:spPr>
         <p:txBody>
           <a:bodyPr lIns="0" rIns="0" tIns="0" bIns="0" anchor="t">
-            <a:normAutofit fontScale="52000"/>
+            <a:normAutofit fontScale="12000"/>
           </a:bodyPr>
           <a:p>
             <a:pPr indent="0">
@@ -9184,8 +9184,8 @@
         </p:nvSpPr>
         <p:spPr>
           <a:xfrm>
-            <a:off x="2000520" y="1326600"/>
-            <a:ext cx="1424880" cy="747720"/>
+            <a:off x="860040" y="1326600"/>
+            <a:ext cx="338760" cy="169560"/>
           </a:xfrm>
           <a:prstGeom prst="rect">
             <a:avLst/>
@@ -9197,7 +9197,7 @@
         </p:spPr>
         <p:txBody>
           <a:bodyPr lIns="0" rIns="0" tIns="0" bIns="0" anchor="t">
-            <a:normAutofit fontScale="52000"/>
+            <a:normAutofit fontScale="12000"/>
           </a:bodyPr>
           <a:p>
             <a:pPr indent="0">
@@ -9227,8 +9227,8 @@
         </p:nvSpPr>
         <p:spPr>
           <a:xfrm>
-            <a:off x="3497040" y="1326600"/>
-            <a:ext cx="1424880" cy="747720"/>
+            <a:off x="1216080" y="1326600"/>
+            <a:ext cx="338760" cy="169560"/>
           </a:xfrm>
           <a:prstGeom prst="rect">
             <a:avLst/>
@@ -9240,7 +9240,7 @@
         </p:spPr>
         <p:txBody>
           <a:bodyPr lIns="0" rIns="0" tIns="0" bIns="0" anchor="t">
-            <a:normAutofit fontScale="52000"/>
+            <a:normAutofit fontScale="12000"/>
           </a:bodyPr>
           <a:p>
             <a:pPr indent="0">
@@ -9270,8 +9270,8 @@
         </p:nvSpPr>
         <p:spPr>
           <a:xfrm>
-            <a:off x="504000" y="2145600"/>
-            <a:ext cx="1424880" cy="747720"/>
+            <a:off x="504000" y="1512720"/>
+            <a:ext cx="338760" cy="169560"/>
           </a:xfrm>
           <a:prstGeom prst="rect">
             <a:avLst/>
@@ -9283,7 +9283,7 @@
         </p:spPr>
         <p:txBody>
           <a:bodyPr lIns="0" rIns="0" tIns="0" bIns="0" anchor="t">
-            <a:normAutofit fontScale="52000"/>
+            <a:normAutofit fontScale="12000"/>
           </a:bodyPr>
           <a:p>
             <a:pPr indent="0">
@@ -9313,8 +9313,8 @@
         </p:nvSpPr>
         <p:spPr>
           <a:xfrm>
-            <a:off x="2000520" y="2145600"/>
-            <a:ext cx="1424880" cy="747720"/>
+            <a:off x="860040" y="1512720"/>
+            <a:ext cx="338760" cy="169560"/>
           </a:xfrm>
           <a:prstGeom prst="rect">
             <a:avLst/>
@@ -9326,7 +9326,7 @@
         </p:spPr>
         <p:txBody>
           <a:bodyPr lIns="0" rIns="0" tIns="0" bIns="0" anchor="t">
-            <a:normAutofit fontScale="52000"/>
+            <a:normAutofit fontScale="12000"/>
           </a:bodyPr>
           <a:p>
             <a:pPr indent="0">
@@ -9356,8 +9356,8 @@
         </p:nvSpPr>
         <p:spPr>
           <a:xfrm>
-            <a:off x="3497040" y="2145600"/>
-            <a:ext cx="1424880" cy="747720"/>
+            <a:off x="1216080" y="1512720"/>
+            <a:ext cx="338760" cy="169560"/>
           </a:xfrm>
           <a:prstGeom prst="rect">
             <a:avLst/>
@@ -9369,7 +9369,7 @@
         </p:spPr>
         <p:txBody>
           <a:bodyPr lIns="0" rIns="0" tIns="0" bIns="0" anchor="t">
-            <a:normAutofit fontScale="52000"/>
+            <a:normAutofit fontScale="12000"/>
           </a:bodyPr>
           <a:p>
             <a:pPr indent="0">
@@ -9421,7 +9421,7 @@
         <p:txBody>
           <a:bodyPr/>
           <a:p>
-            <a:fld id="{1A979263-231F-495F-BBC6-322EC1B62D6E}" type="slidenum">
+            <a:fld id="{5160E309-C5F5-4621-9474-C3BBAF9DFB9C}" type="slidenum">
               <a:t>&lt;#&gt;</a:t>
             </a:fld>
           </a:p>
@@ -9483,7 +9483,7 @@
         <p:spPr>
           <a:xfrm>
             <a:off x="504000" y="226080"/>
-            <a:ext cx="9070920" cy="945720"/>
+            <a:ext cx="9070200" cy="945000"/>
           </a:xfrm>
           <a:prstGeom prst="rect">
             <a:avLst/>
@@ -9544,7 +9544,7 @@
         <p:txBody>
           <a:bodyPr/>
           <a:p>
-            <a:fld id="{E9FB086B-709A-48C3-BF31-D82607F8A9FD}" type="slidenum">
+            <a:fld id="{0B770457-3A67-43E5-8A6B-E7C3F3BCC0E7}" type="slidenum">
               <a:t>&lt;#&gt;</a:t>
             </a:fld>
           </a:p>
@@ -9606,7 +9606,7 @@
         <p:spPr>
           <a:xfrm>
             <a:off x="504000" y="226080"/>
-            <a:ext cx="9070920" cy="4385160"/>
+            <a:ext cx="9070200" cy="4381920"/>
           </a:xfrm>
           <a:prstGeom prst="rect">
             <a:avLst/>
@@ -9665,7 +9665,7 @@
         <p:txBody>
           <a:bodyPr/>
           <a:p>
-            <a:fld id="{A900419C-D66D-491B-B91D-E81CE6792D07}" type="slidenum">
+            <a:fld id="{9D458D53-1876-4F2C-8E7E-3A1F9AADEA40}" type="slidenum">
               <a:t>&lt;#&gt;</a:t>
             </a:fld>
           </a:p>
@@ -9727,7 +9727,7 @@
         <p:spPr>
           <a:xfrm>
             <a:off x="504000" y="226080"/>
-            <a:ext cx="9070920" cy="945720"/>
+            <a:ext cx="9070200" cy="945000"/>
           </a:xfrm>
           <a:prstGeom prst="rect">
             <a:avLst/>
@@ -9767,7 +9767,7 @@
         <p:spPr>
           <a:xfrm>
             <a:off x="504000" y="1326600"/>
-            <a:ext cx="2159640" cy="747720"/>
+            <a:ext cx="513720" cy="169560"/>
           </a:xfrm>
           <a:prstGeom prst="rect">
             <a:avLst/>
@@ -9779,7 +9779,7 @@
         </p:spPr>
         <p:txBody>
           <a:bodyPr lIns="0" rIns="0" tIns="0" bIns="0" anchor="t">
-            <a:normAutofit fontScale="82000"/>
+            <a:normAutofit fontScale="18000"/>
           </a:bodyPr>
           <a:p>
             <a:pPr indent="0">
@@ -9809,8 +9809,8 @@
         </p:nvSpPr>
         <p:spPr>
           <a:xfrm>
-            <a:off x="2772000" y="1326600"/>
-            <a:ext cx="2159640" cy="1567800"/>
+            <a:off x="1043640" y="1326600"/>
+            <a:ext cx="513720" cy="356040"/>
           </a:xfrm>
           <a:prstGeom prst="rect">
             <a:avLst/>
@@ -9822,7 +9822,7 @@
         </p:spPr>
         <p:txBody>
           <a:bodyPr lIns="0" rIns="0" tIns="0" bIns="0" anchor="t">
-            <a:normAutofit fontScale="89000"/>
+            <a:normAutofit fontScale="21000"/>
           </a:bodyPr>
           <a:p>
             <a:pPr indent="0">
@@ -9852,8 +9852,8 @@
         </p:nvSpPr>
         <p:spPr>
           <a:xfrm>
-            <a:off x="504000" y="2145600"/>
-            <a:ext cx="2159640" cy="747720"/>
+            <a:off x="504000" y="1512720"/>
+            <a:ext cx="513720" cy="169560"/>
           </a:xfrm>
           <a:prstGeom prst="rect">
             <a:avLst/>
@@ -9865,7 +9865,7 @@
         </p:spPr>
         <p:txBody>
           <a:bodyPr lIns="0" rIns="0" tIns="0" bIns="0" anchor="t">
-            <a:normAutofit fontScale="82000"/>
+            <a:normAutofit fontScale="18000"/>
           </a:bodyPr>
           <a:p>
             <a:pPr indent="0">
@@ -9917,7 +9917,7 @@
         <p:txBody>
           <a:bodyPr/>
           <a:p>
-            <a:fld id="{6BAA0594-7899-42E6-9DC7-EE8A4BEBD6F1}" type="slidenum">
+            <a:fld id="{1AAB0F6B-E83B-47A4-99F9-307746B4CB16}" type="slidenum">
               <a:t>&lt;#&gt;</a:t>
             </a:fld>
           </a:p>
@@ -9979,7 +9979,7 @@
         <p:spPr>
           <a:xfrm>
             <a:off x="504000" y="226080"/>
-            <a:ext cx="9070920" cy="945720"/>
+            <a:ext cx="9070200" cy="945000"/>
           </a:xfrm>
           <a:prstGeom prst="rect">
             <a:avLst/>
@@ -10019,7 +10019,7 @@
         <p:spPr>
           <a:xfrm>
             <a:off x="504000" y="1326600"/>
-            <a:ext cx="2159640" cy="1567800"/>
+            <a:ext cx="513720" cy="356040"/>
           </a:xfrm>
           <a:prstGeom prst="rect">
             <a:avLst/>
@@ -10031,7 +10031,7 @@
         </p:spPr>
         <p:txBody>
           <a:bodyPr lIns="0" rIns="0" tIns="0" bIns="0" anchor="t">
-            <a:normAutofit fontScale="89000"/>
+            <a:normAutofit fontScale="21000"/>
           </a:bodyPr>
           <a:p>
             <a:pPr indent="0">
@@ -10061,8 +10061,8 @@
         </p:nvSpPr>
         <p:spPr>
           <a:xfrm>
-            <a:off x="2772000" y="1326600"/>
-            <a:ext cx="2159640" cy="747720"/>
+            <a:off x="1043640" y="1326600"/>
+            <a:ext cx="513720" cy="169560"/>
           </a:xfrm>
           <a:prstGeom prst="rect">
             <a:avLst/>
@@ -10074,7 +10074,7 @@
         </p:spPr>
         <p:txBody>
           <a:bodyPr lIns="0" rIns="0" tIns="0" bIns="0" anchor="t">
-            <a:normAutofit fontScale="82000"/>
+            <a:normAutofit fontScale="18000"/>
           </a:bodyPr>
           <a:p>
             <a:pPr indent="0">
@@ -10104,8 +10104,8 @@
         </p:nvSpPr>
         <p:spPr>
           <a:xfrm>
-            <a:off x="2772000" y="2145600"/>
-            <a:ext cx="2159640" cy="747720"/>
+            <a:off x="1043640" y="1512720"/>
+            <a:ext cx="513720" cy="169560"/>
           </a:xfrm>
           <a:prstGeom prst="rect">
             <a:avLst/>
@@ -10117,7 +10117,7 @@
         </p:spPr>
         <p:txBody>
           <a:bodyPr lIns="0" rIns="0" tIns="0" bIns="0" anchor="t">
-            <a:normAutofit fontScale="82000"/>
+            <a:normAutofit fontScale="18000"/>
           </a:bodyPr>
           <a:p>
             <a:pPr indent="0">
@@ -10169,7 +10169,7 @@
         <p:txBody>
           <a:bodyPr/>
           <a:p>
-            <a:fld id="{BE56026B-9E77-47BA-ADD5-5BB91C3CCC87}" type="slidenum">
+            <a:fld id="{21FF7BAA-A383-4707-828F-911B1EC6A7E5}" type="slidenum">
               <a:t>&lt;#&gt;</a:t>
             </a:fld>
           </a:p>
@@ -10231,7 +10231,7 @@
         <p:spPr>
           <a:xfrm>
             <a:off x="504000" y="226080"/>
-            <a:ext cx="9070920" cy="945720"/>
+            <a:ext cx="9070200" cy="945000"/>
           </a:xfrm>
           <a:prstGeom prst="rect">
             <a:avLst/>
@@ -10271,7 +10271,7 @@
         <p:spPr>
           <a:xfrm>
             <a:off x="504000" y="1326600"/>
-            <a:ext cx="2159640" cy="747720"/>
+            <a:ext cx="513720" cy="169560"/>
           </a:xfrm>
           <a:prstGeom prst="rect">
             <a:avLst/>
@@ -10283,7 +10283,7 @@
         </p:spPr>
         <p:txBody>
           <a:bodyPr lIns="0" rIns="0" tIns="0" bIns="0" anchor="t">
-            <a:normAutofit fontScale="82000"/>
+            <a:normAutofit fontScale="18000"/>
           </a:bodyPr>
           <a:p>
             <a:pPr indent="0">
@@ -10313,8 +10313,8 @@
         </p:nvSpPr>
         <p:spPr>
           <a:xfrm>
-            <a:off x="2772000" y="1326600"/>
-            <a:ext cx="2159640" cy="747720"/>
+            <a:off x="1043640" y="1326600"/>
+            <a:ext cx="513720" cy="169560"/>
           </a:xfrm>
           <a:prstGeom prst="rect">
             <a:avLst/>
@@ -10326,7 +10326,7 @@
         </p:spPr>
         <p:txBody>
           <a:bodyPr lIns="0" rIns="0" tIns="0" bIns="0" anchor="t">
-            <a:normAutofit fontScale="82000"/>
+            <a:normAutofit fontScale="18000"/>
           </a:bodyPr>
           <a:p>
             <a:pPr indent="0">
@@ -10356,8 +10356,8 @@
         </p:nvSpPr>
         <p:spPr>
           <a:xfrm>
-            <a:off x="504000" y="2145600"/>
-            <a:ext cx="4426200" cy="747720"/>
+            <a:off x="504000" y="1512720"/>
+            <a:ext cx="1053360" cy="169560"/>
           </a:xfrm>
           <a:prstGeom prst="rect">
             <a:avLst/>
@@ -10369,7 +10369,7 @@
         </p:spPr>
         <p:txBody>
           <a:bodyPr lIns="0" rIns="0" tIns="0" bIns="0" anchor="t">
-            <a:normAutofit fontScale="90000"/>
+            <a:normAutofit fontScale="20000"/>
           </a:bodyPr>
           <a:p>
             <a:pPr indent="0">
@@ -10421,7 +10421,7 @@
         <p:txBody>
           <a:bodyPr/>
           <a:p>
-            <a:fld id="{B28A7DC8-1C9B-43DF-B215-8C1C6009C89B}" type="slidenum">
+            <a:fld id="{8AEB49BE-6B5F-4B7E-85B5-D5E5D942976D}" type="slidenum">
               <a:t>&lt;#&gt;</a:t>
             </a:fld>
           </a:p>
@@ -10477,287 +10477,13 @@
             <a:spLocks noGrp="1"/>
           </p:cNvSpPr>
           <p:nvPr>
-            <p:ph type="title"/>
-          </p:nvPr>
-        </p:nvSpPr>
-        <p:spPr>
-          <a:xfrm>
-            <a:off x="504000" y="226080"/>
-            <a:ext cx="9070920" cy="945720"/>
-          </a:xfrm>
-          <a:prstGeom prst="rect">
-            <a:avLst/>
-          </a:prstGeom>
-          <a:noFill/>
-          <a:ln w="0">
-            <a:noFill/>
-          </a:ln>
-        </p:spPr>
-        <p:txBody>
-          <a:bodyPr lIns="0" rIns="0" tIns="0" bIns="0" anchor="ctr">
-            <a:noAutofit/>
-          </a:bodyPr>
-          <a:p>
-            <a:pPr indent="0">
-              <a:buNone/>
-            </a:pPr>
-            <a:r>
-              <a:rPr b="0" lang="es-ES" sz="1800" spc="-1" strike="noStrike">
-                <a:solidFill>
-                  <a:srgbClr val="000000"/>
-                </a:solidFill>
-                <a:latin typeface="Arial"/>
-              </a:rPr>
-              <a:t>Pulse para editar el formato del texto de título</a:t>
-            </a:r>
-            <a:endParaRPr b="0" lang="es-ES" sz="1800" spc="-1" strike="noStrike">
-              <a:solidFill>
-                <a:srgbClr val="000000"/>
-              </a:solidFill>
-              <a:latin typeface="Arial"/>
-            </a:endParaRPr>
-          </a:p>
-        </p:txBody>
-      </p:sp>
-      <p:sp>
-        <p:nvSpPr>
-          <p:cNvPr id="1" name="PlaceHolder 2"/>
-          <p:cNvSpPr>
-            <a:spLocks noGrp="1"/>
-          </p:cNvSpPr>
-          <p:nvPr>
-            <p:ph type="body"/>
-          </p:nvPr>
-        </p:nvSpPr>
-        <p:spPr>
-          <a:xfrm>
-            <a:off x="504000" y="1326600"/>
-            <a:ext cx="9070920" cy="3287520"/>
-          </a:xfrm>
-          <a:prstGeom prst="rect">
-            <a:avLst/>
-          </a:prstGeom>
-          <a:noFill/>
-          <a:ln w="0">
-            <a:noFill/>
-          </a:ln>
-        </p:spPr>
-        <p:txBody>
-          <a:bodyPr lIns="0" rIns="0" tIns="0" bIns="0" anchor="t">
-            <a:normAutofit/>
-          </a:bodyPr>
-          <a:p>
-            <a:pPr marL="432000" indent="-324000">
-              <a:spcBef>
-                <a:spcPts val="1417"/>
-              </a:spcBef>
-              <a:buClr>
-                <a:srgbClr val="000000"/>
-              </a:buClr>
-              <a:buSzPct val="45000"/>
-              <a:buFont typeface="Wingdings" charset="2"/>
-              <a:buChar char=""/>
-            </a:pPr>
-            <a:r>
-              <a:rPr b="0" lang="es-ES" sz="1800" spc="-1" strike="noStrike">
-                <a:solidFill>
-                  <a:srgbClr val="000000"/>
-                </a:solidFill>
-                <a:latin typeface="Arial"/>
-              </a:rPr>
-              <a:t>Pulse para editar el formato de texto del esquema</a:t>
-            </a:r>
-            <a:endParaRPr b="0" lang="es-ES" sz="1800" spc="-1" strike="noStrike">
-              <a:solidFill>
-                <a:srgbClr val="000000"/>
-              </a:solidFill>
-              <a:latin typeface="Arial"/>
-            </a:endParaRPr>
-          </a:p>
-          <a:p>
-            <a:pPr lvl="1" marL="864000" indent="-324000">
-              <a:spcBef>
-                <a:spcPts val="1134"/>
-              </a:spcBef>
-              <a:buClr>
-                <a:srgbClr val="000000"/>
-              </a:buClr>
-              <a:buSzPct val="75000"/>
-              <a:buFont typeface="Symbol" charset="2"/>
-              <a:buChar char=""/>
-            </a:pPr>
-            <a:r>
-              <a:rPr b="0" lang="es-ES" sz="1800" spc="-1" strike="noStrike">
-                <a:solidFill>
-                  <a:srgbClr val="000000"/>
-                </a:solidFill>
-                <a:latin typeface="Arial"/>
-              </a:rPr>
-              <a:t>Segundo nivel del esquema</a:t>
-            </a:r>
-            <a:endParaRPr b="0" lang="es-ES" sz="1800" spc="-1" strike="noStrike">
-              <a:solidFill>
-                <a:srgbClr val="000000"/>
-              </a:solidFill>
-              <a:latin typeface="Arial"/>
-            </a:endParaRPr>
-          </a:p>
-          <a:p>
-            <a:pPr lvl="2" marL="1296000" indent="-288000">
-              <a:spcBef>
-                <a:spcPts val="850"/>
-              </a:spcBef>
-              <a:buClr>
-                <a:srgbClr val="000000"/>
-              </a:buClr>
-              <a:buSzPct val="45000"/>
-              <a:buFont typeface="Wingdings" charset="2"/>
-              <a:buChar char=""/>
-            </a:pPr>
-            <a:r>
-              <a:rPr b="0" lang="es-ES" sz="1800" spc="-1" strike="noStrike">
-                <a:solidFill>
-                  <a:srgbClr val="000000"/>
-                </a:solidFill>
-                <a:latin typeface="Arial"/>
-              </a:rPr>
-              <a:t>Tercer nivel del esquema</a:t>
-            </a:r>
-            <a:endParaRPr b="0" lang="es-ES" sz="1800" spc="-1" strike="noStrike">
-              <a:solidFill>
-                <a:srgbClr val="000000"/>
-              </a:solidFill>
-              <a:latin typeface="Arial"/>
-            </a:endParaRPr>
-          </a:p>
-          <a:p>
-            <a:pPr lvl="3" marL="1728000" indent="-216000">
-              <a:spcBef>
-                <a:spcPts val="567"/>
-              </a:spcBef>
-              <a:buClr>
-                <a:srgbClr val="000000"/>
-              </a:buClr>
-              <a:buSzPct val="75000"/>
-              <a:buFont typeface="Symbol" charset="2"/>
-              <a:buChar char=""/>
-            </a:pPr>
-            <a:r>
-              <a:rPr b="0" lang="es-ES" sz="1800" spc="-1" strike="noStrike">
-                <a:solidFill>
-                  <a:srgbClr val="000000"/>
-                </a:solidFill>
-                <a:latin typeface="Arial"/>
-              </a:rPr>
-              <a:t>Cuarto nivel del esquema</a:t>
-            </a:r>
-            <a:endParaRPr b="0" lang="es-ES" sz="1800" spc="-1" strike="noStrike">
-              <a:solidFill>
-                <a:srgbClr val="000000"/>
-              </a:solidFill>
-              <a:latin typeface="Arial"/>
-            </a:endParaRPr>
-          </a:p>
-          <a:p>
-            <a:pPr lvl="4" marL="2160000" indent="-216000">
-              <a:spcBef>
-                <a:spcPts val="283"/>
-              </a:spcBef>
-              <a:buClr>
-                <a:srgbClr val="000000"/>
-              </a:buClr>
-              <a:buSzPct val="45000"/>
-              <a:buFont typeface="Wingdings" charset="2"/>
-              <a:buChar char=""/>
-            </a:pPr>
-            <a:r>
-              <a:rPr b="0" lang="es-ES" sz="1800" spc="-1" strike="noStrike">
-                <a:solidFill>
-                  <a:srgbClr val="000000"/>
-                </a:solidFill>
-                <a:latin typeface="Arial"/>
-              </a:rPr>
-              <a:t>Quinto nivel del esquema</a:t>
-            </a:r>
-            <a:endParaRPr b="0" lang="es-ES" sz="1800" spc="-1" strike="noStrike">
-              <a:solidFill>
-                <a:srgbClr val="000000"/>
-              </a:solidFill>
-              <a:latin typeface="Arial"/>
-            </a:endParaRPr>
-          </a:p>
-          <a:p>
-            <a:pPr lvl="5" marL="2592000" indent="-216000">
-              <a:spcBef>
-                <a:spcPts val="283"/>
-              </a:spcBef>
-              <a:buClr>
-                <a:srgbClr val="000000"/>
-              </a:buClr>
-              <a:buSzPct val="45000"/>
-              <a:buFont typeface="Wingdings" charset="2"/>
-              <a:buChar char=""/>
-            </a:pPr>
-            <a:r>
-              <a:rPr b="0" lang="es-ES" sz="1800" spc="-1" strike="noStrike">
-                <a:solidFill>
-                  <a:srgbClr val="000000"/>
-                </a:solidFill>
-                <a:latin typeface="Arial"/>
-              </a:rPr>
-              <a:t>Sexto nivel del esquema</a:t>
-            </a:r>
-            <a:endParaRPr b="0" lang="es-ES" sz="1800" spc="-1" strike="noStrike">
-              <a:solidFill>
-                <a:srgbClr val="000000"/>
-              </a:solidFill>
-              <a:latin typeface="Arial"/>
-            </a:endParaRPr>
-          </a:p>
-          <a:p>
-            <a:pPr lvl="6" marL="3024000" indent="-216000">
-              <a:spcBef>
-                <a:spcPts val="283"/>
-              </a:spcBef>
-              <a:buClr>
-                <a:srgbClr val="000000"/>
-              </a:buClr>
-              <a:buSzPct val="45000"/>
-              <a:buFont typeface="Wingdings" charset="2"/>
-              <a:buChar char=""/>
-            </a:pPr>
-            <a:r>
-              <a:rPr b="0" lang="es-ES" sz="1800" spc="-1" strike="noStrike">
-                <a:solidFill>
-                  <a:srgbClr val="000000"/>
-                </a:solidFill>
-                <a:latin typeface="Arial"/>
-              </a:rPr>
-              <a:t>Séptimo nivel del esquema</a:t>
-            </a:r>
-            <a:endParaRPr b="0" lang="es-ES" sz="1800" spc="-1" strike="noStrike">
-              <a:solidFill>
-                <a:srgbClr val="000000"/>
-              </a:solidFill>
-              <a:latin typeface="Arial"/>
-            </a:endParaRPr>
-          </a:p>
-        </p:txBody>
-      </p:sp>
-      <p:sp>
-        <p:nvSpPr>
-          <p:cNvPr id="2" name="PlaceHolder 3"/>
-          <p:cNvSpPr>
-            <a:spLocks noGrp="1"/>
-          </p:cNvSpPr>
-          <p:nvPr>
             <p:ph type="ftr" idx="1"/>
           </p:nvPr>
         </p:nvSpPr>
         <p:spPr>
           <a:xfrm>
             <a:off x="3447360" y="5165280"/>
-            <a:ext cx="3194280" cy="389880"/>
+            <a:ext cx="3193560" cy="389160"/>
           </a:xfrm>
           <a:prstGeom prst="rect">
             <a:avLst/>
@@ -10818,7 +10544,7 @@
       </p:sp>
       <p:sp>
         <p:nvSpPr>
-          <p:cNvPr id="3" name="PlaceHolder 4"/>
+          <p:cNvPr id="1" name="PlaceHolder 2"/>
           <p:cNvSpPr>
             <a:spLocks noGrp="1"/>
           </p:cNvSpPr>
@@ -10829,7 +10555,7 @@
         <p:spPr>
           <a:xfrm>
             <a:off x="7227360" y="5165280"/>
-            <a:ext cx="2347560" cy="389880"/>
+            <a:ext cx="2346840" cy="389160"/>
           </a:xfrm>
           <a:prstGeom prst="rect">
             <a:avLst/>
@@ -10870,7 +10596,7 @@
                 <a:tab algn="l" pos="0"/>
               </a:tabLst>
             </a:pPr>
-            <a:fld id="{8FADC592-FE09-46F1-BDFC-4C539D3D1CCC}" type="slidenum">
+            <a:fld id="{4B1457AD-AD3F-47E0-A3C6-1EFD8C06B8F3}" type="slidenum">
               <a:rPr b="0" lang="es-ES" sz="1400" spc="-1" strike="noStrike">
                 <a:solidFill>
                   <a:srgbClr val="000000"/>
@@ -10890,7 +10616,7 @@
       </p:sp>
       <p:sp>
         <p:nvSpPr>
-          <p:cNvPr id="4" name="PlaceHolder 5"/>
+          <p:cNvPr id="2" name="PlaceHolder 3"/>
           <p:cNvSpPr>
             <a:spLocks noGrp="1"/>
           </p:cNvSpPr>
@@ -10901,7 +10627,7 @@
         <p:spPr>
           <a:xfrm>
             <a:off x="504000" y="5165280"/>
-            <a:ext cx="2347560" cy="389880"/>
+            <a:ext cx="2346840" cy="389160"/>
           </a:xfrm>
           <a:prstGeom prst="rect">
             <a:avLst/>
@@ -10944,6 +10670,280 @@
                 <a:srgbClr val="000000"/>
               </a:solidFill>
               <a:latin typeface="Times New Roman"/>
+            </a:endParaRPr>
+          </a:p>
+        </p:txBody>
+      </p:sp>
+      <p:sp>
+        <p:nvSpPr>
+          <p:cNvPr id="3" name="PlaceHolder 4"/>
+          <p:cNvSpPr>
+            <a:spLocks noGrp="1"/>
+          </p:cNvSpPr>
+          <p:nvPr>
+            <p:ph type="title"/>
+          </p:nvPr>
+        </p:nvSpPr>
+        <p:spPr>
+          <a:xfrm>
+            <a:off x="504000" y="226080"/>
+            <a:ext cx="9072000" cy="946440"/>
+          </a:xfrm>
+          <a:prstGeom prst="rect">
+            <a:avLst/>
+          </a:prstGeom>
+          <a:noFill/>
+          <a:ln w="0">
+            <a:noFill/>
+          </a:ln>
+        </p:spPr>
+        <p:txBody>
+          <a:bodyPr lIns="0" rIns="0" tIns="0" bIns="0" anchor="ctr">
+            <a:noAutofit/>
+          </a:bodyPr>
+          <a:p>
+            <a:pPr indent="0" algn="ctr">
+              <a:buNone/>
+            </a:pPr>
+            <a:r>
+              <a:rPr b="0" lang="es-ES" sz="4400" spc="-1" strike="noStrike">
+                <a:solidFill>
+                  <a:srgbClr val="000000"/>
+                </a:solidFill>
+                <a:latin typeface="Arial"/>
+              </a:rPr>
+              <a:t>Pulse para editar el formato del texto de título</a:t>
+            </a:r>
+            <a:endParaRPr b="0" lang="es-ES" sz="4400" spc="-1" strike="noStrike">
+              <a:solidFill>
+                <a:srgbClr val="000000"/>
+              </a:solidFill>
+              <a:latin typeface="Arial"/>
+            </a:endParaRPr>
+          </a:p>
+        </p:txBody>
+      </p:sp>
+      <p:sp>
+        <p:nvSpPr>
+          <p:cNvPr id="4" name="PlaceHolder 5"/>
+          <p:cNvSpPr>
+            <a:spLocks noGrp="1"/>
+          </p:cNvSpPr>
+          <p:nvPr>
+            <p:ph type="body"/>
+          </p:nvPr>
+        </p:nvSpPr>
+        <p:spPr>
+          <a:xfrm>
+            <a:off x="504000" y="1326600"/>
+            <a:ext cx="9072000" cy="3288600"/>
+          </a:xfrm>
+          <a:prstGeom prst="rect">
+            <a:avLst/>
+          </a:prstGeom>
+          <a:noFill/>
+          <a:ln w="0">
+            <a:noFill/>
+          </a:ln>
+        </p:spPr>
+        <p:txBody>
+          <a:bodyPr lIns="0" rIns="0" tIns="0" bIns="0" anchor="t">
+            <a:normAutofit/>
+          </a:bodyPr>
+          <a:p>
+            <a:pPr marL="432000" indent="-324000">
+              <a:spcBef>
+                <a:spcPts val="1417"/>
+              </a:spcBef>
+              <a:buClr>
+                <a:srgbClr val="000000"/>
+              </a:buClr>
+              <a:buSzPct val="45000"/>
+              <a:buFont typeface="Wingdings" charset="2"/>
+              <a:buChar char=""/>
+            </a:pPr>
+            <a:r>
+              <a:rPr b="0" lang="es-ES" sz="3200" spc="-1" strike="noStrike">
+                <a:solidFill>
+                  <a:srgbClr val="000000"/>
+                </a:solidFill>
+                <a:latin typeface="Arial"/>
+              </a:rPr>
+              <a:t>Pulse para editar el formato de texto del esquema</a:t>
+            </a:r>
+            <a:endParaRPr b="0" lang="es-ES" sz="3200" spc="-1" strike="noStrike">
+              <a:solidFill>
+                <a:srgbClr val="000000"/>
+              </a:solidFill>
+              <a:latin typeface="Arial"/>
+            </a:endParaRPr>
+          </a:p>
+          <a:p>
+            <a:pPr lvl="1" marL="864000" indent="-324000">
+              <a:spcBef>
+                <a:spcPts val="1134"/>
+              </a:spcBef>
+              <a:buClr>
+                <a:srgbClr val="000000"/>
+              </a:buClr>
+              <a:buSzPct val="75000"/>
+              <a:buFont typeface="Symbol" charset="2"/>
+              <a:buChar char=""/>
+            </a:pPr>
+            <a:r>
+              <a:rPr b="0" lang="es-ES" sz="2800" spc="-1" strike="noStrike">
+                <a:solidFill>
+                  <a:srgbClr val="000000"/>
+                </a:solidFill>
+                <a:latin typeface="Arial"/>
+              </a:rPr>
+              <a:t>Segundo nivel del esquema</a:t>
+            </a:r>
+            <a:endParaRPr b="0" lang="es-ES" sz="2800" spc="-1" strike="noStrike">
+              <a:solidFill>
+                <a:srgbClr val="000000"/>
+              </a:solidFill>
+              <a:latin typeface="Arial"/>
+            </a:endParaRPr>
+          </a:p>
+          <a:p>
+            <a:pPr lvl="2" marL="1296000" indent="-288000">
+              <a:spcBef>
+                <a:spcPts val="850"/>
+              </a:spcBef>
+              <a:buClr>
+                <a:srgbClr val="000000"/>
+              </a:buClr>
+              <a:buSzPct val="45000"/>
+              <a:buFont typeface="Wingdings" charset="2"/>
+              <a:buChar char=""/>
+            </a:pPr>
+            <a:r>
+              <a:rPr b="0" lang="es-ES" sz="2400" spc="-1" strike="noStrike">
+                <a:solidFill>
+                  <a:srgbClr val="000000"/>
+                </a:solidFill>
+                <a:latin typeface="Arial"/>
+              </a:rPr>
+              <a:t>Tercer nivel del esquema</a:t>
+            </a:r>
+            <a:endParaRPr b="0" lang="es-ES" sz="2400" spc="-1" strike="noStrike">
+              <a:solidFill>
+                <a:srgbClr val="000000"/>
+              </a:solidFill>
+              <a:latin typeface="Arial"/>
+            </a:endParaRPr>
+          </a:p>
+          <a:p>
+            <a:pPr lvl="3" marL="1728000" indent="-216000">
+              <a:spcBef>
+                <a:spcPts val="567"/>
+              </a:spcBef>
+              <a:buClr>
+                <a:srgbClr val="000000"/>
+              </a:buClr>
+              <a:buSzPct val="75000"/>
+              <a:buFont typeface="Symbol" charset="2"/>
+              <a:buChar char=""/>
+            </a:pPr>
+            <a:r>
+              <a:rPr b="0" lang="es-ES" sz="2000" spc="-1" strike="noStrike">
+                <a:solidFill>
+                  <a:srgbClr val="000000"/>
+                </a:solidFill>
+                <a:latin typeface="Arial"/>
+              </a:rPr>
+              <a:t>Cuarto nivel del esquema</a:t>
+            </a:r>
+            <a:endParaRPr b="0" lang="es-ES" sz="2000" spc="-1" strike="noStrike">
+              <a:solidFill>
+                <a:srgbClr val="000000"/>
+              </a:solidFill>
+              <a:latin typeface="Arial"/>
+            </a:endParaRPr>
+          </a:p>
+          <a:p>
+            <a:pPr lvl="4" marL="2160000" indent="-216000">
+              <a:spcBef>
+                <a:spcPts val="283"/>
+              </a:spcBef>
+              <a:buClr>
+                <a:srgbClr val="000000"/>
+              </a:buClr>
+              <a:buSzPct val="45000"/>
+              <a:buFont typeface="Wingdings" charset="2"/>
+              <a:buChar char=""/>
+            </a:pPr>
+            <a:r>
+              <a:rPr b="0" lang="es-ES" sz="2000" spc="-1" strike="noStrike">
+                <a:solidFill>
+                  <a:srgbClr val="000000"/>
+                </a:solidFill>
+                <a:latin typeface="Arial"/>
+              </a:rPr>
+              <a:t>Quinto nivel del esquema</a:t>
+            </a:r>
+            <a:endParaRPr b="0" lang="es-ES" sz="2000" spc="-1" strike="noStrike">
+              <a:solidFill>
+                <a:srgbClr val="000000"/>
+              </a:solidFill>
+              <a:latin typeface="Arial"/>
+            </a:endParaRPr>
+          </a:p>
+          <a:p>
+            <a:pPr lvl="5" marL="2592000" indent="-216000">
+              <a:spcBef>
+                <a:spcPts val="283"/>
+              </a:spcBef>
+              <a:buClr>
+                <a:srgbClr val="000000"/>
+              </a:buClr>
+              <a:buSzPct val="45000"/>
+              <a:buFont typeface="Wingdings" charset="2"/>
+              <a:buChar char=""/>
+            </a:pPr>
+            <a:r>
+              <a:rPr b="0" lang="es-ES" sz="2000" spc="-1" strike="noStrike">
+                <a:solidFill>
+                  <a:srgbClr val="000000"/>
+                </a:solidFill>
+                <a:latin typeface="Arial"/>
+              </a:rPr>
+              <a:t>Sexto nivel del esquema</a:t>
+            </a:r>
+            <a:endParaRPr b="0" lang="es-ES" sz="2000" spc="-1" strike="noStrike">
+              <a:solidFill>
+                <a:srgbClr val="000000"/>
+              </a:solidFill>
+              <a:latin typeface="Arial"/>
+            </a:endParaRPr>
+          </a:p>
+          <a:p>
+            <a:pPr lvl="6" marL="3024000" indent="-216000">
+              <a:spcBef>
+                <a:spcPts val="283"/>
+              </a:spcBef>
+              <a:buClr>
+                <a:srgbClr val="000000"/>
+              </a:buClr>
+              <a:buSzPct val="45000"/>
+              <a:buFont typeface="Wingdings" charset="2"/>
+              <a:buChar char=""/>
+            </a:pPr>
+            <a:r>
+              <a:rPr b="0" lang="es-ES" sz="2000" spc="-1" strike="noStrike">
+                <a:solidFill>
+                  <a:srgbClr val="000000"/>
+                </a:solidFill>
+                <a:latin typeface="Arial"/>
+              </a:rPr>
+              <a:t>Séptimo nivel del esquema</a:t>
+            </a:r>
+            <a:endParaRPr b="0" lang="es-ES" sz="2000" spc="-1" strike="noStrike">
+              <a:solidFill>
+                <a:srgbClr val="000000"/>
+              </a:solidFill>
+              <a:latin typeface="Arial"/>
             </a:endParaRPr>
           </a:p>
         </p:txBody>
@@ -10998,7 +10998,7 @@
         <p:spPr>
           <a:xfrm>
             <a:off x="3447360" y="5165280"/>
-            <a:ext cx="3194280" cy="389880"/>
+            <a:ext cx="3193560" cy="389160"/>
           </a:xfrm>
           <a:prstGeom prst="rect">
             <a:avLst/>
@@ -11070,7 +11070,7 @@
         <p:spPr>
           <a:xfrm>
             <a:off x="7227360" y="5165280"/>
-            <a:ext cx="2347560" cy="389880"/>
+            <a:ext cx="2346840" cy="389160"/>
           </a:xfrm>
           <a:prstGeom prst="rect">
             <a:avLst/>
@@ -11111,7 +11111,7 @@
                 <a:tab algn="l" pos="0"/>
               </a:tabLst>
             </a:pPr>
-            <a:fld id="{B61F0AAB-AD33-4A93-A88F-BF1EB92578C3}" type="slidenum">
+            <a:fld id="{4EB47773-12B4-4789-AC01-EFEB175F7577}" type="slidenum">
               <a:rPr b="0" lang="es-ES" sz="1400" spc="-1" strike="noStrike">
                 <a:solidFill>
                   <a:srgbClr val="000000"/>
@@ -11142,7 +11142,7 @@
         <p:spPr>
           <a:xfrm>
             <a:off x="504000" y="5165280"/>
-            <a:ext cx="2347560" cy="389880"/>
+            <a:ext cx="2346840" cy="389160"/>
           </a:xfrm>
           <a:prstGeom prst="rect">
             <a:avLst/>
@@ -11513,7 +11513,7 @@
         <p:spPr>
           <a:xfrm>
             <a:off x="504000" y="226080"/>
-            <a:ext cx="9070920" cy="945720"/>
+            <a:ext cx="9070200" cy="945000"/>
           </a:xfrm>
           <a:prstGeom prst="rect">
             <a:avLst/>
@@ -11562,7 +11562,7 @@
         <p:spPr>
           <a:xfrm>
             <a:off x="504000" y="1326600"/>
-            <a:ext cx="4426200" cy="3287520"/>
+            <a:ext cx="1053360" cy="747000"/>
           </a:xfrm>
           <a:prstGeom prst="rect">
             <a:avLst/>
@@ -11574,10 +11574,10 @@
         </p:spPr>
         <p:txBody>
           <a:bodyPr lIns="0" rIns="0" tIns="0" bIns="0" anchor="t">
-            <a:normAutofit fontScale="97000"/>
-          </a:bodyPr>
-          <a:p>
-            <a:pPr marL="419040" indent="-314280">
+            <a:normAutofit fontScale="22000"/>
+          </a:bodyPr>
+          <a:p>
+            <a:pPr marL="95040" indent="-71280">
               <a:spcBef>
                 <a:spcPts val="1417"/>
               </a:spcBef>
@@ -11605,7 +11605,7 @@
             </a:endParaRPr>
           </a:p>
           <a:p>
-            <a:pPr lvl="1" marL="838080" indent="-314280">
+            <a:pPr lvl="1" marL="190080" indent="-71280">
               <a:spcBef>
                 <a:spcPts val="1134"/>
               </a:spcBef>
@@ -11633,7 +11633,7 @@
             </a:endParaRPr>
           </a:p>
           <a:p>
-            <a:pPr lvl="2" marL="1257120" indent="-279360">
+            <a:pPr lvl="2" marL="285120" indent="-63360">
               <a:spcBef>
                 <a:spcPts val="850"/>
               </a:spcBef>
@@ -11661,7 +11661,7 @@
             </a:endParaRPr>
           </a:p>
           <a:p>
-            <a:pPr lvl="3" marL="1676160" indent="-209520">
+            <a:pPr lvl="3" marL="380160" indent="-47520">
               <a:spcBef>
                 <a:spcPts val="567"/>
               </a:spcBef>
@@ -11689,7 +11689,7 @@
             </a:endParaRPr>
           </a:p>
           <a:p>
-            <a:pPr lvl="4" marL="2095200" indent="-209520">
+            <a:pPr lvl="4" marL="475200" indent="-47520">
               <a:spcBef>
                 <a:spcPts val="283"/>
               </a:spcBef>
@@ -11717,7 +11717,7 @@
             </a:endParaRPr>
           </a:p>
           <a:p>
-            <a:pPr lvl="5" marL="2514240" indent="-209520">
+            <a:pPr lvl="5" marL="570240" indent="-47520">
               <a:spcBef>
                 <a:spcPts val="283"/>
               </a:spcBef>
@@ -11745,7 +11745,7 @@
             </a:endParaRPr>
           </a:p>
           <a:p>
-            <a:pPr lvl="6" marL="2933280" indent="-209520">
+            <a:pPr lvl="6" marL="665280" indent="-47520">
               <a:spcBef>
                 <a:spcPts val="283"/>
               </a:spcBef>
@@ -11786,8 +11786,8 @@
         </p:nvSpPr>
         <p:spPr>
           <a:xfrm>
-            <a:off x="5152320" y="1326600"/>
-            <a:ext cx="4426200" cy="3287520"/>
+            <a:off x="1610640" y="1326600"/>
+            <a:ext cx="1053360" cy="747000"/>
           </a:xfrm>
           <a:prstGeom prst="rect">
             <a:avLst/>
@@ -11799,10 +11799,10 @@
         </p:spPr>
         <p:txBody>
           <a:bodyPr lIns="0" rIns="0" tIns="0" bIns="0" anchor="t">
-            <a:normAutofit fontScale="97000"/>
-          </a:bodyPr>
-          <a:p>
-            <a:pPr marL="419040" indent="-314280">
+            <a:normAutofit fontScale="22000"/>
+          </a:bodyPr>
+          <a:p>
+            <a:pPr marL="95040" indent="-71280">
               <a:spcBef>
                 <a:spcPts val="1417"/>
               </a:spcBef>
@@ -11830,7 +11830,7 @@
             </a:endParaRPr>
           </a:p>
           <a:p>
-            <a:pPr lvl="1" marL="838080" indent="-314280">
+            <a:pPr lvl="1" marL="190080" indent="-71280">
               <a:spcBef>
                 <a:spcPts val="1134"/>
               </a:spcBef>
@@ -11858,7 +11858,7 @@
             </a:endParaRPr>
           </a:p>
           <a:p>
-            <a:pPr lvl="2" marL="1257120" indent="-279360">
+            <a:pPr lvl="2" marL="285120" indent="-63360">
               <a:spcBef>
                 <a:spcPts val="850"/>
               </a:spcBef>
@@ -11886,7 +11886,7 @@
             </a:endParaRPr>
           </a:p>
           <a:p>
-            <a:pPr lvl="3" marL="1676160" indent="-209520">
+            <a:pPr lvl="3" marL="380160" indent="-47520">
               <a:spcBef>
                 <a:spcPts val="567"/>
               </a:spcBef>
@@ -11914,7 +11914,7 @@
             </a:endParaRPr>
           </a:p>
           <a:p>
-            <a:pPr lvl="4" marL="2095200" indent="-209520">
+            <a:pPr lvl="4" marL="475200" indent="-47520">
               <a:spcBef>
                 <a:spcPts val="283"/>
               </a:spcBef>
@@ -11942,7 +11942,7 @@
             </a:endParaRPr>
           </a:p>
           <a:p>
-            <a:pPr lvl="5" marL="2514240" indent="-209520">
+            <a:pPr lvl="5" marL="570240" indent="-47520">
               <a:spcBef>
                 <a:spcPts val="283"/>
               </a:spcBef>
@@ -11970,7 +11970,7 @@
             </a:endParaRPr>
           </a:p>
           <a:p>
-            <a:pPr lvl="6" marL="2933280" indent="-209520">
+            <a:pPr lvl="6" marL="665280" indent="-47520">
               <a:spcBef>
                 <a:spcPts val="283"/>
               </a:spcBef>
@@ -12012,7 +12012,7 @@
         <p:spPr>
           <a:xfrm>
             <a:off x="3447360" y="5165280"/>
-            <a:ext cx="3194280" cy="389880"/>
+            <a:ext cx="3193560" cy="389160"/>
           </a:xfrm>
           <a:prstGeom prst="rect">
             <a:avLst/>
@@ -12084,7 +12084,7 @@
         <p:spPr>
           <a:xfrm>
             <a:off x="7227360" y="5165280"/>
-            <a:ext cx="2347560" cy="389880"/>
+            <a:ext cx="2346840" cy="389160"/>
           </a:xfrm>
           <a:prstGeom prst="rect">
             <a:avLst/>
@@ -12125,7 +12125,7 @@
                 <a:tab algn="l" pos="0"/>
               </a:tabLst>
             </a:pPr>
-            <a:fld id="{52007BAD-D135-4276-AD59-F43C84AFDA90}" type="slidenum">
+            <a:fld id="{B9802DE9-00A2-4605-B193-7FBFDFAEE405}" type="slidenum">
               <a:rPr b="0" lang="es-ES" sz="1400" spc="-1" strike="noStrike">
                 <a:solidFill>
                   <a:srgbClr val="000000"/>
@@ -12156,7 +12156,7 @@
         <p:spPr>
           <a:xfrm>
             <a:off x="504000" y="5165280"/>
-            <a:ext cx="2347560" cy="389880"/>
+            <a:ext cx="2346840" cy="389160"/>
           </a:xfrm>
           <a:prstGeom prst="rect">
             <a:avLst/>
@@ -12253,7 +12253,7 @@
         <p:spPr>
           <a:xfrm>
             <a:off x="504000" y="226080"/>
-            <a:ext cx="9070920" cy="945720"/>
+            <a:ext cx="9070200" cy="945000"/>
           </a:xfrm>
           <a:prstGeom prst="rect">
             <a:avLst/>
@@ -12302,7 +12302,7 @@
         <p:spPr>
           <a:xfrm>
             <a:off x="504000" y="1326600"/>
-            <a:ext cx="4426200" cy="1567800"/>
+            <a:ext cx="1053360" cy="356040"/>
           </a:xfrm>
           <a:prstGeom prst="rect">
             <a:avLst/>
@@ -12314,10 +12314,10 @@
         </p:spPr>
         <p:txBody>
           <a:bodyPr lIns="0" rIns="0" tIns="0" bIns="0" anchor="t">
-            <a:normAutofit fontScale="67000"/>
-          </a:bodyPr>
-          <a:p>
-            <a:pPr marL="289440" indent="-217080">
+            <a:normAutofit fontScale="15000"/>
+          </a:bodyPr>
+          <a:p>
+            <a:pPr marL="64800" indent="-48600">
               <a:spcBef>
                 <a:spcPts val="1417"/>
               </a:spcBef>
@@ -12345,7 +12345,7 @@
             </a:endParaRPr>
           </a:p>
           <a:p>
-            <a:pPr lvl="1" marL="578880" indent="-217080">
+            <a:pPr lvl="1" marL="129600" indent="-48600">
               <a:spcBef>
                 <a:spcPts val="1134"/>
               </a:spcBef>
@@ -12373,7 +12373,7 @@
             </a:endParaRPr>
           </a:p>
           <a:p>
-            <a:pPr lvl="2" marL="868320" indent="-192960">
+            <a:pPr lvl="2" marL="194400" indent="-43200">
               <a:spcBef>
                 <a:spcPts val="850"/>
               </a:spcBef>
@@ -12401,7 +12401,7 @@
             </a:endParaRPr>
           </a:p>
           <a:p>
-            <a:pPr lvl="3" marL="1157760" indent="-144720">
+            <a:pPr lvl="3" marL="259200" indent="-32400">
               <a:spcBef>
                 <a:spcPts val="567"/>
               </a:spcBef>
@@ -12429,7 +12429,7 @@
             </a:endParaRPr>
           </a:p>
           <a:p>
-            <a:pPr lvl="4" marL="1447200" indent="-144720">
+            <a:pPr lvl="4" marL="324000" indent="-32400">
               <a:spcBef>
                 <a:spcPts val="283"/>
               </a:spcBef>
@@ -12457,7 +12457,7 @@
             </a:endParaRPr>
           </a:p>
           <a:p>
-            <a:pPr lvl="5" marL="1736640" indent="-144720">
+            <a:pPr lvl="5" marL="388800" indent="-32400">
               <a:spcBef>
                 <a:spcPts val="283"/>
               </a:spcBef>
@@ -12485,7 +12485,7 @@
             </a:endParaRPr>
           </a:p>
           <a:p>
-            <a:pPr lvl="6" marL="2026080" indent="-144720">
+            <a:pPr lvl="6" marL="453600" indent="-32400">
               <a:spcBef>
                 <a:spcPts val="283"/>
               </a:spcBef>
@@ -12526,8 +12526,8 @@
         </p:nvSpPr>
         <p:spPr>
           <a:xfrm>
-            <a:off x="5152320" y="1326600"/>
-            <a:ext cx="4426200" cy="1567800"/>
+            <a:off x="1610640" y="1326600"/>
+            <a:ext cx="1053360" cy="356040"/>
           </a:xfrm>
           <a:prstGeom prst="rect">
             <a:avLst/>
@@ -12539,10 +12539,10 @@
         </p:spPr>
         <p:txBody>
           <a:bodyPr lIns="0" rIns="0" tIns="0" bIns="0" anchor="t">
-            <a:normAutofit fontScale="67000"/>
-          </a:bodyPr>
-          <a:p>
-            <a:pPr marL="289440" indent="-217080">
+            <a:normAutofit fontScale="15000"/>
+          </a:bodyPr>
+          <a:p>
+            <a:pPr marL="64800" indent="-48600">
               <a:spcBef>
                 <a:spcPts val="1417"/>
               </a:spcBef>
@@ -12570,7 +12570,7 @@
             </a:endParaRPr>
           </a:p>
           <a:p>
-            <a:pPr lvl="1" marL="578880" indent="-217080">
+            <a:pPr lvl="1" marL="129600" indent="-48600">
               <a:spcBef>
                 <a:spcPts val="1134"/>
               </a:spcBef>
@@ -12598,7 +12598,7 @@
             </a:endParaRPr>
           </a:p>
           <a:p>
-            <a:pPr lvl="2" marL="868320" indent="-192960">
+            <a:pPr lvl="2" marL="194400" indent="-43200">
               <a:spcBef>
                 <a:spcPts val="850"/>
               </a:spcBef>
@@ -12626,7 +12626,7 @@
             </a:endParaRPr>
           </a:p>
           <a:p>
-            <a:pPr lvl="3" marL="1157760" indent="-144720">
+            <a:pPr lvl="3" marL="259200" indent="-32400">
               <a:spcBef>
                 <a:spcPts val="567"/>
               </a:spcBef>
@@ -12654,7 +12654,7 @@
             </a:endParaRPr>
           </a:p>
           <a:p>
-            <a:pPr lvl="4" marL="1447200" indent="-144720">
+            <a:pPr lvl="4" marL="324000" indent="-32400">
               <a:spcBef>
                 <a:spcPts val="283"/>
               </a:spcBef>
@@ -12682,7 +12682,7 @@
             </a:endParaRPr>
           </a:p>
           <a:p>
-            <a:pPr lvl="5" marL="1736640" indent="-144720">
+            <a:pPr lvl="5" marL="388800" indent="-32400">
               <a:spcBef>
                 <a:spcPts val="283"/>
               </a:spcBef>
@@ -12710,7 +12710,7 @@
             </a:endParaRPr>
           </a:p>
           <a:p>
-            <a:pPr lvl="6" marL="2026080" indent="-144720">
+            <a:pPr lvl="6" marL="453600" indent="-32400">
               <a:spcBef>
                 <a:spcPts val="283"/>
               </a:spcBef>
@@ -12751,8 +12751,8 @@
         </p:nvSpPr>
         <p:spPr>
           <a:xfrm>
-            <a:off x="504000" y="3044160"/>
-            <a:ext cx="4426200" cy="1567800"/>
+            <a:off x="504000" y="1717200"/>
+            <a:ext cx="1053360" cy="356040"/>
           </a:xfrm>
           <a:prstGeom prst="rect">
             <a:avLst/>
@@ -12764,10 +12764,10 @@
         </p:spPr>
         <p:txBody>
           <a:bodyPr lIns="0" rIns="0" tIns="0" bIns="0" anchor="t">
-            <a:normAutofit fontScale="67000"/>
-          </a:bodyPr>
-          <a:p>
-            <a:pPr marL="289440" indent="-217080">
+            <a:normAutofit fontScale="15000"/>
+          </a:bodyPr>
+          <a:p>
+            <a:pPr marL="64800" indent="-48600">
               <a:spcBef>
                 <a:spcPts val="1417"/>
               </a:spcBef>
@@ -12795,7 +12795,7 @@
             </a:endParaRPr>
           </a:p>
           <a:p>
-            <a:pPr lvl="1" marL="578880" indent="-217080">
+            <a:pPr lvl="1" marL="129600" indent="-48600">
               <a:spcBef>
                 <a:spcPts val="1134"/>
               </a:spcBef>
@@ -12823,7 +12823,7 @@
             </a:endParaRPr>
           </a:p>
           <a:p>
-            <a:pPr lvl="2" marL="868320" indent="-192960">
+            <a:pPr lvl="2" marL="194400" indent="-43200">
               <a:spcBef>
                 <a:spcPts val="850"/>
               </a:spcBef>
@@ -12851,7 +12851,7 @@
             </a:endParaRPr>
           </a:p>
           <a:p>
-            <a:pPr lvl="3" marL="1157760" indent="-144720">
+            <a:pPr lvl="3" marL="259200" indent="-32400">
               <a:spcBef>
                 <a:spcPts val="567"/>
               </a:spcBef>
@@ -12879,7 +12879,7 @@
             </a:endParaRPr>
           </a:p>
           <a:p>
-            <a:pPr lvl="4" marL="1447200" indent="-144720">
+            <a:pPr lvl="4" marL="324000" indent="-32400">
               <a:spcBef>
                 <a:spcPts val="283"/>
               </a:spcBef>
@@ -12907,7 +12907,7 @@
             </a:endParaRPr>
           </a:p>
           <a:p>
-            <a:pPr lvl="5" marL="1736640" indent="-144720">
+            <a:pPr lvl="5" marL="388800" indent="-32400">
               <a:spcBef>
                 <a:spcPts val="283"/>
               </a:spcBef>
@@ -12935,7 +12935,7 @@
             </a:endParaRPr>
           </a:p>
           <a:p>
-            <a:pPr lvl="6" marL="2026080" indent="-144720">
+            <a:pPr lvl="6" marL="453600" indent="-32400">
               <a:spcBef>
                 <a:spcPts val="283"/>
               </a:spcBef>
@@ -12976,8 +12976,8 @@
         </p:nvSpPr>
         <p:spPr>
           <a:xfrm>
-            <a:off x="5152320" y="3044160"/>
-            <a:ext cx="4426200" cy="1567800"/>
+            <a:off x="1610640" y="1717200"/>
+            <a:ext cx="1053360" cy="356040"/>
           </a:xfrm>
           <a:prstGeom prst="rect">
             <a:avLst/>
@@ -12989,10 +12989,10 @@
         </p:spPr>
         <p:txBody>
           <a:bodyPr lIns="0" rIns="0" tIns="0" bIns="0" anchor="t">
-            <a:normAutofit fontScale="67000"/>
-          </a:bodyPr>
-          <a:p>
-            <a:pPr marL="289440" indent="-217080">
+            <a:normAutofit fontScale="15000"/>
+          </a:bodyPr>
+          <a:p>
+            <a:pPr marL="64800" indent="-48600">
               <a:spcBef>
                 <a:spcPts val="1417"/>
               </a:spcBef>
@@ -13020,7 +13020,7 @@
             </a:endParaRPr>
           </a:p>
           <a:p>
-            <a:pPr lvl="1" marL="578880" indent="-217080">
+            <a:pPr lvl="1" marL="129600" indent="-48600">
               <a:spcBef>
                 <a:spcPts val="1134"/>
               </a:spcBef>
@@ -13048,7 +13048,7 @@
             </a:endParaRPr>
           </a:p>
           <a:p>
-            <a:pPr lvl="2" marL="868320" indent="-192960">
+            <a:pPr lvl="2" marL="194400" indent="-43200">
               <a:spcBef>
                 <a:spcPts val="850"/>
               </a:spcBef>
@@ -13076,7 +13076,7 @@
             </a:endParaRPr>
           </a:p>
           <a:p>
-            <a:pPr lvl="3" marL="1157760" indent="-144720">
+            <a:pPr lvl="3" marL="259200" indent="-32400">
               <a:spcBef>
                 <a:spcPts val="567"/>
               </a:spcBef>
@@ -13104,7 +13104,7 @@
             </a:endParaRPr>
           </a:p>
           <a:p>
-            <a:pPr lvl="4" marL="1447200" indent="-144720">
+            <a:pPr lvl="4" marL="324000" indent="-32400">
               <a:spcBef>
                 <a:spcPts val="283"/>
               </a:spcBef>
@@ -13132,7 +13132,7 @@
             </a:endParaRPr>
           </a:p>
           <a:p>
-            <a:pPr lvl="5" marL="1736640" indent="-144720">
+            <a:pPr lvl="5" marL="388800" indent="-32400">
               <a:spcBef>
                 <a:spcPts val="283"/>
               </a:spcBef>
@@ -13160,7 +13160,7 @@
             </a:endParaRPr>
           </a:p>
           <a:p>
-            <a:pPr lvl="6" marL="2026080" indent="-144720">
+            <a:pPr lvl="6" marL="453600" indent="-32400">
               <a:spcBef>
                 <a:spcPts val="283"/>
               </a:spcBef>
@@ -13202,7 +13202,7 @@
         <p:spPr>
           <a:xfrm>
             <a:off x="3447360" y="5165280"/>
-            <a:ext cx="3194280" cy="389880"/>
+            <a:ext cx="3193560" cy="389160"/>
           </a:xfrm>
           <a:prstGeom prst="rect">
             <a:avLst/>
@@ -13274,7 +13274,7 @@
         <p:spPr>
           <a:xfrm>
             <a:off x="7227360" y="5165280"/>
-            <a:ext cx="2347560" cy="389880"/>
+            <a:ext cx="2346840" cy="389160"/>
           </a:xfrm>
           <a:prstGeom prst="rect">
             <a:avLst/>
@@ -13315,7 +13315,7 @@
                 <a:tab algn="l" pos="0"/>
               </a:tabLst>
             </a:pPr>
-            <a:fld id="{848EF05E-7677-4688-B46F-B531BC3293F7}" type="slidenum">
+            <a:fld id="{ECD8B689-E2CA-49D4-8661-301CC7AFF12E}" type="slidenum">
               <a:rPr b="0" lang="es-ES" sz="1400" spc="-1" strike="noStrike">
                 <a:solidFill>
                   <a:srgbClr val="000000"/>
@@ -13346,7 +13346,7 @@
         <p:spPr>
           <a:xfrm>
             <a:off x="504000" y="5165280"/>
-            <a:ext cx="2347560" cy="389880"/>
+            <a:ext cx="2346840" cy="389160"/>
           </a:xfrm>
           <a:prstGeom prst="rect">
             <a:avLst/>
@@ -13451,7 +13451,7 @@
         <p:spPr>
           <a:xfrm>
             <a:off x="504000" y="4320000"/>
-            <a:ext cx="9070920" cy="1349280"/>
+            <a:ext cx="9070200" cy="1348560"/>
           </a:xfrm>
           <a:prstGeom prst="rect">
             <a:avLst/>
@@ -13481,7 +13481,7 @@
                 </a:highlight>
                 <a:latin typeface="Comic Sans MS"/>
               </a:rPr>
-              <a:t>PROXECTO DE DESEÑO, PUBLICACIÓN E PRODUCCIÓN: O XOGO MÍNIMO</a:t>
+              <a:t>DESIGN, PUBLICATION AND PRODUCTION OF A MINIMUN GAME </a:t>
             </a:r>
             <a:endParaRPr b="0" lang="es-ES" sz="3600" spc="-1" strike="noStrike">
               <a:solidFill>
@@ -13532,7 +13532,7 @@
       </p:grpSpPr>
       <p:sp>
         <p:nvSpPr>
-          <p:cNvPr id="199" name="PlaceHolder 1"/>
+          <p:cNvPr id="200" name="PlaceHolder 1"/>
           <p:cNvSpPr>
             <a:spLocks noGrp="1"/>
           </p:cNvSpPr>
@@ -13543,7 +13543,7 @@
         <p:spPr>
           <a:xfrm>
             <a:off x="504000" y="226080"/>
-            <a:ext cx="9070920" cy="945720"/>
+            <a:ext cx="9070200" cy="945000"/>
           </a:xfrm>
           <a:prstGeom prst="rect">
             <a:avLst/>
@@ -13591,7 +13591,7 @@
       </p:sp>
       <p:sp>
         <p:nvSpPr>
-          <p:cNvPr id="200" name="PlaceHolder 2"/>
+          <p:cNvPr id="201" name="PlaceHolder 2"/>
           <p:cNvSpPr>
             <a:spLocks noGrp="1"/>
           </p:cNvSpPr>
@@ -13602,7 +13602,7 @@
         <p:spPr>
           <a:xfrm>
             <a:off x="504000" y="1326600"/>
-            <a:ext cx="4426200" cy="653040"/>
+            <a:ext cx="4425480" cy="652320"/>
           </a:xfrm>
           <a:prstGeom prst="rect">
             <a:avLst/>
@@ -13653,7 +13653,7 @@
       </p:sp>
       <p:sp>
         <p:nvSpPr>
-          <p:cNvPr id="201" name="PlaceHolder 3"/>
+          <p:cNvPr id="202" name="PlaceHolder 3"/>
           <p:cNvSpPr>
             <a:spLocks noGrp="1"/>
           </p:cNvSpPr>
@@ -13664,7 +13664,7 @@
         <p:spPr>
           <a:xfrm>
             <a:off x="5152320" y="1326600"/>
-            <a:ext cx="4426200" cy="653040"/>
+            <a:ext cx="4425480" cy="652320"/>
           </a:xfrm>
           <a:prstGeom prst="rect">
             <a:avLst/>
@@ -13715,7 +13715,7 @@
       </p:sp>
       <p:sp>
         <p:nvSpPr>
-          <p:cNvPr id="202" name="PlaceHolder 4"/>
+          <p:cNvPr id="203" name="PlaceHolder 4"/>
           <p:cNvSpPr>
             <a:spLocks noGrp="1"/>
           </p:cNvSpPr>
@@ -13726,7 +13726,7 @@
         <p:spPr>
           <a:xfrm>
             <a:off x="504000" y="1980000"/>
-            <a:ext cx="4426200" cy="3599640"/>
+            <a:ext cx="4425480" cy="3598920"/>
           </a:xfrm>
           <a:prstGeom prst="rect">
             <a:avLst/>
@@ -13738,10 +13738,10 @@
         </p:spPr>
         <p:txBody>
           <a:bodyPr lIns="0" rIns="0" tIns="0" bIns="0" anchor="t">
-            <a:normAutofit fontScale="92000"/>
-          </a:bodyPr>
-          <a:p>
-            <a:pPr marL="397440">
+            <a:normAutofit fontScale="91000"/>
+          </a:bodyPr>
+          <a:p>
+            <a:pPr marL="393120" indent="-294840">
               <a:lnSpc>
                 <a:spcPct val="100000"/>
               </a:lnSpc>
@@ -13772,16 +13772,13 @@
             </a:r>
             <a:endParaRPr b="0" lang="es-ES" sz="3200" spc="-1" strike="noStrike">
               <a:solidFill>
-                <a:srgbClr val="ffffff"/>
-              </a:solidFill>
-              <a:highlight>
-                <a:srgbClr val="000000"/>
-              </a:highlight>
-              <a:latin typeface="Arial"/>
-            </a:endParaRPr>
-          </a:p>
-          <a:p>
-            <a:pPr marL="397440">
+                <a:srgbClr val="000000"/>
+              </a:solidFill>
+              <a:latin typeface="Arial"/>
+            </a:endParaRPr>
+          </a:p>
+          <a:p>
+            <a:pPr marL="393120" indent="-294840">
               <a:lnSpc>
                 <a:spcPct val="100000"/>
               </a:lnSpc>
@@ -13812,16 +13809,13 @@
             </a:r>
             <a:endParaRPr b="0" lang="es-ES" sz="3200" spc="-1" strike="noStrike">
               <a:solidFill>
-                <a:srgbClr val="ffffff"/>
-              </a:solidFill>
-              <a:highlight>
-                <a:srgbClr val="000000"/>
-              </a:highlight>
-              <a:latin typeface="Arial"/>
-            </a:endParaRPr>
-          </a:p>
-          <a:p>
-            <a:pPr marL="397440">
+                <a:srgbClr val="000000"/>
+              </a:solidFill>
+              <a:latin typeface="Arial"/>
+            </a:endParaRPr>
+          </a:p>
+          <a:p>
+            <a:pPr marL="393120" indent="-294840">
               <a:lnSpc>
                 <a:spcPct val="100000"/>
               </a:lnSpc>
@@ -13852,19 +13846,16 @@
             </a:r>
             <a:endParaRPr b="0" lang="es-ES" sz="3200" spc="-1" strike="noStrike">
               <a:solidFill>
-                <a:srgbClr val="ffffff"/>
-              </a:solidFill>
-              <a:highlight>
-                <a:srgbClr val="000000"/>
-              </a:highlight>
-              <a:latin typeface="Arial"/>
-            </a:endParaRPr>
-          </a:p>
-        </p:txBody>
-      </p:sp>
-      <p:sp>
-        <p:nvSpPr>
-          <p:cNvPr id="203" name="PlaceHolder 5"/>
+                <a:srgbClr val="000000"/>
+              </a:solidFill>
+              <a:latin typeface="Arial"/>
+            </a:endParaRPr>
+          </a:p>
+        </p:txBody>
+      </p:sp>
+      <p:sp>
+        <p:nvSpPr>
+          <p:cNvPr id="204" name="PlaceHolder 5"/>
           <p:cNvSpPr>
             <a:spLocks noGrp="1"/>
           </p:cNvSpPr>
@@ -13875,7 +13866,7 @@
         <p:spPr>
           <a:xfrm>
             <a:off x="5152320" y="1980000"/>
-            <a:ext cx="4426200" cy="3599640"/>
+            <a:ext cx="4425480" cy="3598920"/>
           </a:xfrm>
           <a:prstGeom prst="rect">
             <a:avLst/>
@@ -13890,7 +13881,7 @@
             <a:normAutofit/>
           </a:bodyPr>
           <a:p>
-            <a:pPr marL="432000">
+            <a:pPr marL="432000" indent="-324000">
               <a:lnSpc>
                 <a:spcPct val="100000"/>
               </a:lnSpc>
@@ -13927,7 +13918,7 @@
             </a:endParaRPr>
           </a:p>
           <a:p>
-            <a:pPr marL="432000">
+            <a:pPr marL="432000" indent="-324000">
               <a:lnSpc>
                 <a:spcPct val="100000"/>
               </a:lnSpc>
@@ -13954,7 +13945,7 @@
                 </a:highlight>
                 <a:latin typeface="Arial"/>
               </a:rPr>
-              <a:t>Marketing was not enough.</a:t>
+              <a:t>Marketing could have been not enough.</a:t>
             </a:r>
             <a:endParaRPr b="0" lang="es-ES" sz="3200" spc="-1" strike="noStrike">
               <a:solidFill>
@@ -13964,7 +13955,7 @@
             </a:endParaRPr>
           </a:p>
           <a:p>
-            <a:pPr marL="432000">
+            <a:pPr marL="432000" indent="-324000">
               <a:lnSpc>
                 <a:spcPct val="100000"/>
               </a:lnSpc>
@@ -14053,7 +14044,7 @@
         <p:spPr>
           <a:xfrm>
             <a:off x="504000" y="226080"/>
-            <a:ext cx="9070920" cy="945720"/>
+            <a:ext cx="9070200" cy="945000"/>
           </a:xfrm>
           <a:prstGeom prst="rect">
             <a:avLst/>
@@ -14088,7 +14079,7 @@
                 <a:uFillTx/>
                 <a:latin typeface="Comic Sans MS"/>
               </a:rPr>
-              <a:t>IDEA MÍNIMA</a:t>
+              <a:t>BASIC IDEA</a:t>
             </a:r>
             <a:endParaRPr b="0" lang="es-ES" sz="4400" spc="-1" strike="noStrike">
               <a:solidFill>
@@ -14111,8 +14102,8 @@
         </p:nvSpPr>
         <p:spPr>
           <a:xfrm>
-            <a:off x="504000" y="1326600"/>
-            <a:ext cx="9070920" cy="4253040"/>
+            <a:off x="540000" y="2880000"/>
+            <a:ext cx="9070200" cy="1979640"/>
           </a:xfrm>
           <a:prstGeom prst="rect">
             <a:avLst/>
@@ -14127,7 +14118,7 @@
             <a:normAutofit/>
           </a:bodyPr>
           <a:p>
-            <a:pPr marL="432000" indent="0">
+            <a:pPr marL="432000" indent="0" algn="ctr">
               <a:lnSpc>
                 <a:spcPct val="100000"/>
               </a:lnSpc>
@@ -14142,11 +14133,14 @@
             <a:r>
               <a:rPr b="0" lang="es-ES" sz="3200" spc="-1" strike="noStrike">
                 <a:solidFill>
+                  <a:srgbClr val="ffffff"/>
+                </a:solidFill>
+                <a:highlight>
                   <a:srgbClr val="000000"/>
-                </a:solidFill>
-                <a:latin typeface="Arial"/>
+                </a:highlight>
+                <a:latin typeface="Comic Sans MS"/>
               </a:rPr>
-              <a:t> </a:t>
+              <a:t>Reverse the traditional roles of protagonist and villain in videogames by making the player take control of a character that would be the Final Boss in any other game.</a:t>
             </a:r>
             <a:endParaRPr b="0" lang="es-ES" sz="3200" spc="-1" strike="noStrike">
               <a:solidFill>
@@ -14155,143 +14149,74 @@
               <a:latin typeface="Arial"/>
             </a:endParaRPr>
           </a:p>
-          <a:p>
-            <a:pPr marL="432000" indent="0">
+        </p:txBody>
+      </p:sp>
+      <p:sp>
+        <p:nvSpPr>
+          <p:cNvPr id="171" name="PlaceHolder 6"/>
+          <p:cNvSpPr/>
+          <p:nvPr/>
+        </p:nvSpPr>
+        <p:spPr>
+          <a:xfrm>
+            <a:off x="289440" y="1800720"/>
+            <a:ext cx="9070200" cy="538920"/>
+          </a:xfrm>
+          <a:prstGeom prst="rect">
+            <a:avLst/>
+          </a:prstGeom>
+          <a:noFill/>
+          <a:ln w="0">
+            <a:noFill/>
+          </a:ln>
+        </p:spPr>
+        <p:style>
+          <a:lnRef idx="0"/>
+          <a:fillRef idx="0"/>
+          <a:effectRef idx="0"/>
+          <a:fontRef idx="minor"/>
+        </p:style>
+        <p:txBody>
+          <a:bodyPr lIns="0" rIns="0" tIns="0" bIns="0" anchor="t">
+            <a:normAutofit/>
+          </a:bodyPr>
+          <a:p>
+            <a:pPr marL="432000" algn="ctr">
               <a:lnSpc>
                 <a:spcPct val="100000"/>
               </a:lnSpc>
               <a:spcBef>
                 <a:spcPts val="1417"/>
               </a:spcBef>
-              <a:buNone/>
               <a:tabLst>
                 <a:tab algn="l" pos="0"/>
               </a:tabLst>
             </a:pPr>
             <a:r>
-              <a:rPr b="0" lang="es-ES" sz="3200" spc="-1" strike="noStrike">
+              <a:rPr b="0" lang="es-ES" sz="3200" spc="-1" strike="noStrike" u="sng">
                 <a:solidFill>
+                  <a:srgbClr val="ffffff"/>
+                </a:solidFill>
+                <a:highlight>
                   <a:srgbClr val="000000"/>
+                </a:highlight>
+                <a:uFillTx/>
+                <a:latin typeface="Comic Sans MS"/>
+              </a:rPr>
+              <a:t>“</a:t>
+            </a:r>
+            <a:r>
+              <a:rPr b="0" lang="es-ES" sz="3200" spc="-1" strike="noStrike" u="sng">
+                <a:solidFill>
+                  <a:srgbClr val="ffffff"/>
                 </a:solidFill>
-                <a:latin typeface="Arial"/>
+                <a:highlight>
+                  <a:srgbClr val="000000"/>
+                </a:highlight>
+                <a:uFillTx/>
+                <a:latin typeface="Comic Sans MS"/>
               </a:rPr>
-              <a:t> </a:t>
-            </a:r>
-            <a:endParaRPr b="0" lang="es-ES" sz="3200" spc="-1" strike="noStrike">
-              <a:solidFill>
-                <a:srgbClr val="000000"/>
-              </a:solidFill>
-              <a:latin typeface="Arial"/>
-            </a:endParaRPr>
-          </a:p>
-          <a:p>
-            <a:pPr marL="432000" indent="0">
-              <a:lnSpc>
-                <a:spcPct val="100000"/>
-              </a:lnSpc>
-              <a:spcBef>
-                <a:spcPts val="1417"/>
-              </a:spcBef>
-              <a:buNone/>
-              <a:tabLst>
-                <a:tab algn="l" pos="0"/>
-              </a:tabLst>
-            </a:pPr>
-            <a:r>
-              <a:rPr b="0" lang="es-ES" sz="3200" spc="-1" strike="noStrike">
-                <a:solidFill>
-                  <a:srgbClr val="000000"/>
-                </a:solidFill>
-                <a:latin typeface="Arial"/>
-              </a:rPr>
-              <a:t> </a:t>
-            </a:r>
-            <a:endParaRPr b="0" lang="es-ES" sz="3200" spc="-1" strike="noStrike">
-              <a:solidFill>
-                <a:srgbClr val="000000"/>
-              </a:solidFill>
-              <a:latin typeface="Arial"/>
-            </a:endParaRPr>
-          </a:p>
-          <a:p>
-            <a:pPr marL="432000" indent="0">
-              <a:lnSpc>
-                <a:spcPct val="100000"/>
-              </a:lnSpc>
-              <a:spcBef>
-                <a:spcPts val="1417"/>
-              </a:spcBef>
-              <a:buNone/>
-              <a:tabLst>
-                <a:tab algn="l" pos="0"/>
-              </a:tabLst>
-            </a:pPr>
-            <a:r>
-              <a:rPr b="0" lang="es-ES" sz="3200" spc="-1" strike="noStrike">
-                <a:solidFill>
-                  <a:srgbClr val="000000"/>
-                </a:solidFill>
-                <a:latin typeface="Arial"/>
-              </a:rPr>
-              <a:t> </a:t>
-            </a:r>
-            <a:endParaRPr b="0" lang="es-ES" sz="3200" spc="-1" strike="noStrike">
-              <a:solidFill>
-                <a:srgbClr val="000000"/>
-              </a:solidFill>
-              <a:latin typeface="Arial"/>
-            </a:endParaRPr>
-          </a:p>
-          <a:p>
-            <a:pPr marL="432000" indent="0">
-              <a:lnSpc>
-                <a:spcPct val="100000"/>
-              </a:lnSpc>
-              <a:spcBef>
-                <a:spcPts val="1417"/>
-              </a:spcBef>
-              <a:buNone/>
-              <a:tabLst>
-                <a:tab algn="l" pos="0"/>
-              </a:tabLst>
-            </a:pPr>
-            <a:r>
-              <a:rPr b="0" lang="es-ES" sz="3200" spc="-1" strike="noStrike">
-                <a:solidFill>
-                  <a:srgbClr val="000000"/>
-                </a:solidFill>
-                <a:latin typeface="Arial"/>
-              </a:rPr>
-              <a:t> </a:t>
-            </a:r>
-            <a:endParaRPr b="0" lang="es-ES" sz="3200" spc="-1" strike="noStrike">
-              <a:solidFill>
-                <a:srgbClr val="000000"/>
-              </a:solidFill>
-              <a:latin typeface="Arial"/>
-            </a:endParaRPr>
-          </a:p>
-          <a:p>
-            <a:pPr marL="432000" indent="0">
-              <a:lnSpc>
-                <a:spcPct val="100000"/>
-              </a:lnSpc>
-              <a:spcBef>
-                <a:spcPts val="1417"/>
-              </a:spcBef>
-              <a:buNone/>
-              <a:tabLst>
-                <a:tab algn="l" pos="0"/>
-              </a:tabLst>
-            </a:pPr>
-            <a:r>
-              <a:rPr b="0" lang="es-ES" sz="3200" spc="-1" strike="noStrike">
-                <a:solidFill>
-                  <a:srgbClr val="000000"/>
-                </a:solidFill>
-                <a:latin typeface="Arial"/>
-              </a:rPr>
-              <a:t> </a:t>
+              <a:t>BECOME THE FINAL BOSS”</a:t>
             </a:r>
             <a:endParaRPr b="0" lang="es-ES" sz="3200" spc="-1" strike="noStrike">
               <a:solidFill>
@@ -14342,7 +14267,7 @@
       </p:grpSpPr>
       <p:sp>
         <p:nvSpPr>
-          <p:cNvPr id="171" name="PlaceHolder 1"/>
+          <p:cNvPr id="172" name="PlaceHolder 1"/>
           <p:cNvSpPr>
             <a:spLocks noGrp="1"/>
           </p:cNvSpPr>
@@ -14353,7 +14278,7 @@
         <p:spPr>
           <a:xfrm>
             <a:off x="504000" y="226080"/>
-            <a:ext cx="9070920" cy="945720"/>
+            <a:ext cx="9070200" cy="945000"/>
           </a:xfrm>
           <a:prstGeom prst="rect">
             <a:avLst/>
@@ -14388,7 +14313,7 @@
                 <a:uFillTx/>
                 <a:latin typeface="Comic Sans MS"/>
               </a:rPr>
-              <a:t>DESARROLLO</a:t>
+              <a:t>DEVELOPMENT</a:t>
             </a:r>
             <a:endParaRPr b="0" lang="es-ES" sz="4400" spc="-1" strike="noStrike">
               <a:solidFill>
@@ -14401,7 +14326,7 @@
       </p:sp>
       <p:pic>
         <p:nvPicPr>
-          <p:cNvPr id="172" name="" descr=""/>
+          <p:cNvPr id="173" name="" descr=""/>
           <p:cNvPicPr/>
           <p:nvPr/>
         </p:nvPicPr>
@@ -14411,8 +14336,8 @@
         </p:blipFill>
         <p:spPr>
           <a:xfrm>
-            <a:off x="180000" y="1512000"/>
-            <a:ext cx="9719640" cy="3040920"/>
+            <a:off x="972720" y="1440000"/>
+            <a:ext cx="8207280" cy="2903040"/>
           </a:xfrm>
           <a:prstGeom prst="rect">
             <a:avLst/>
@@ -14462,7 +14387,7 @@
       </p:grpSpPr>
       <p:sp>
         <p:nvSpPr>
-          <p:cNvPr id="173" name="PlaceHolder 1"/>
+          <p:cNvPr id="174" name="PlaceHolder 1"/>
           <p:cNvSpPr>
             <a:spLocks noGrp="1"/>
           </p:cNvSpPr>
@@ -14473,7 +14398,7 @@
         <p:spPr>
           <a:xfrm>
             <a:off x="504000" y="226080"/>
-            <a:ext cx="9070920" cy="945720"/>
+            <a:ext cx="9070200" cy="945000"/>
           </a:xfrm>
           <a:prstGeom prst="rect">
             <a:avLst/>
@@ -14521,7 +14446,7 @@
       </p:sp>
       <p:pic>
         <p:nvPicPr>
-          <p:cNvPr id="174" name="" descr=""/>
+          <p:cNvPr id="175" name="" descr=""/>
           <p:cNvPicPr/>
           <p:nvPr/>
         </p:nvPicPr>
@@ -14532,30 +14457,7 @@
         <p:spPr>
           <a:xfrm>
             <a:off x="3780000" y="1575360"/>
-            <a:ext cx="2519640" cy="2024280"/>
-          </a:xfrm>
-          <a:prstGeom prst="rect">
-            <a:avLst/>
-          </a:prstGeom>
-          <a:ln w="0">
-            <a:noFill/>
-          </a:ln>
-        </p:spPr>
-      </p:pic>
-      <p:pic>
-        <p:nvPicPr>
-          <p:cNvPr id="175" name="" descr=""/>
-          <p:cNvPicPr/>
-          <p:nvPr/>
-        </p:nvPicPr>
-        <p:blipFill>
-          <a:blip r:embed="rId3"/>
-          <a:stretch/>
-        </p:blipFill>
-        <p:spPr>
-          <a:xfrm>
-            <a:off x="900000" y="3780000"/>
-            <a:ext cx="3959640" cy="1619640"/>
+            <a:ext cx="2518920" cy="2023560"/>
           </a:xfrm>
           <a:prstGeom prst="rect">
             <a:avLst/>
@@ -14572,13 +14474,36 @@
           <p:nvPr/>
         </p:nvPicPr>
         <p:blipFill>
+          <a:blip r:embed="rId3"/>
+          <a:stretch/>
+        </p:blipFill>
+        <p:spPr>
+          <a:xfrm>
+            <a:off x="900000" y="3780000"/>
+            <a:ext cx="3958920" cy="1618920"/>
+          </a:xfrm>
+          <a:prstGeom prst="rect">
+            <a:avLst/>
+          </a:prstGeom>
+          <a:ln w="0">
+            <a:noFill/>
+          </a:ln>
+        </p:spPr>
+      </p:pic>
+      <p:pic>
+        <p:nvPicPr>
+          <p:cNvPr id="177" name="" descr=""/>
+          <p:cNvPicPr/>
+          <p:nvPr/>
+        </p:nvPicPr>
+        <p:blipFill>
           <a:blip r:embed="rId4"/>
           <a:stretch/>
         </p:blipFill>
         <p:spPr>
           <a:xfrm>
             <a:off x="5220000" y="3780000"/>
-            <a:ext cx="3959640" cy="1619640"/>
+            <a:ext cx="3958920" cy="1618920"/>
           </a:xfrm>
           <a:prstGeom prst="rect">
             <a:avLst/>
@@ -14628,7 +14553,7 @@
       </p:grpSpPr>
       <p:sp>
         <p:nvSpPr>
-          <p:cNvPr id="177" name="PlaceHolder 1"/>
+          <p:cNvPr id="178" name="PlaceHolder 1"/>
           <p:cNvSpPr>
             <a:spLocks noGrp="1"/>
           </p:cNvSpPr>
@@ -14639,7 +14564,7 @@
         <p:spPr>
           <a:xfrm>
             <a:off x="504000" y="226080"/>
-            <a:ext cx="9070920" cy="945720"/>
+            <a:ext cx="9070200" cy="945000"/>
           </a:xfrm>
           <a:prstGeom prst="rect">
             <a:avLst/>
@@ -14687,7 +14612,7 @@
       </p:sp>
       <p:pic>
         <p:nvPicPr>
-          <p:cNvPr id="178" name="" descr=""/>
+          <p:cNvPr id="179" name="" descr=""/>
           <p:cNvPicPr/>
           <p:nvPr/>
         </p:nvPicPr>
@@ -14698,7 +14623,7 @@
         <p:spPr>
           <a:xfrm>
             <a:off x="677520" y="1752120"/>
-            <a:ext cx="4079160" cy="3287520"/>
+            <a:ext cx="4078440" cy="3286800"/>
           </a:xfrm>
           <a:prstGeom prst="rect">
             <a:avLst/>
@@ -14710,13 +14635,13 @@
       </p:pic>
       <p:graphicFrame>
         <p:nvGraphicFramePr>
-          <p:cNvPr id="179" name=""/>
+          <p:cNvPr id="180" name=""/>
           <p:cNvGraphicFramePr/>
           <p:nvPr/>
         </p:nvGraphicFramePr>
         <p:xfrm>
           <a:off x="5152320" y="1752120"/>
-          <a:ext cx="4426200" cy="3287520"/>
+          <a:ext cx="4425480" cy="3286800"/>
         </p:xfrm>
         <a:graphic>
           <a:graphicData uri="http://schemas.openxmlformats.org/drawingml/2006/chart">
@@ -14764,7 +14689,7 @@
       </p:grpSpPr>
       <p:sp>
         <p:nvSpPr>
-          <p:cNvPr id="180" name="PlaceHolder 1"/>
+          <p:cNvPr id="181" name="PlaceHolder 1"/>
           <p:cNvSpPr>
             <a:spLocks noGrp="1"/>
           </p:cNvSpPr>
@@ -14775,7 +14700,7 @@
         <p:spPr>
           <a:xfrm>
             <a:off x="504000" y="226080"/>
-            <a:ext cx="9070920" cy="945720"/>
+            <a:ext cx="9070200" cy="945000"/>
           </a:xfrm>
           <a:prstGeom prst="rect">
             <a:avLst/>
@@ -14823,7 +14748,7 @@
       </p:sp>
       <p:pic>
         <p:nvPicPr>
-          <p:cNvPr id="181" name="" descr=""/>
+          <p:cNvPr id="182" name="" descr=""/>
           <p:cNvPicPr/>
           <p:nvPr/>
         </p:nvPicPr>
@@ -14834,7 +14759,7 @@
         <p:spPr>
           <a:xfrm>
             <a:off x="180000" y="4860000"/>
-            <a:ext cx="9719640" cy="719640"/>
+            <a:ext cx="9718920" cy="718920"/>
           </a:xfrm>
           <a:prstGeom prst="rect">
             <a:avLst/>
@@ -14846,7 +14771,7 @@
       </p:pic>
       <p:pic>
         <p:nvPicPr>
-          <p:cNvPr id="182" name="" descr="">
+          <p:cNvPr id="183" name="" descr="">
             <a:hlinkClick r:id="" action="ppaction://media"/>
           </p:cNvPr>
           <p:cNvPicPr/>
@@ -14868,7 +14793,7 @@
         <p:spPr>
           <a:xfrm>
             <a:off x="2232360" y="1116000"/>
-            <a:ext cx="5507280" cy="3671280"/>
+            <a:ext cx="5506560" cy="3670560"/>
           </a:xfrm>
           <a:prstGeom prst="rect">
             <a:avLst/>
@@ -14918,7 +14843,7 @@
       </p:grpSpPr>
       <p:sp>
         <p:nvSpPr>
-          <p:cNvPr id="183" name="PlaceHolder 1"/>
+          <p:cNvPr id="184" name="PlaceHolder 1"/>
           <p:cNvSpPr>
             <a:spLocks noGrp="1"/>
           </p:cNvSpPr>
@@ -14929,7 +14854,7 @@
         <p:spPr>
           <a:xfrm>
             <a:off x="504000" y="226080"/>
-            <a:ext cx="9070920" cy="945720"/>
+            <a:ext cx="9070200" cy="945000"/>
           </a:xfrm>
           <a:prstGeom prst="rect">
             <a:avLst/>
@@ -14977,7 +14902,7 @@
       </p:sp>
       <p:pic>
         <p:nvPicPr>
-          <p:cNvPr id="184" name="" descr=""/>
+          <p:cNvPr id="185" name="" descr=""/>
           <p:cNvPicPr/>
           <p:nvPr/>
         </p:nvPicPr>
@@ -14988,30 +14913,7 @@
         <p:spPr>
           <a:xfrm>
             <a:off x="2880000" y="1440000"/>
-            <a:ext cx="4679640" cy="1050480"/>
-          </a:xfrm>
-          <a:prstGeom prst="rect">
-            <a:avLst/>
-          </a:prstGeom>
-          <a:ln w="0">
-            <a:noFill/>
-          </a:ln>
-        </p:spPr>
-      </p:pic>
-      <p:pic>
-        <p:nvPicPr>
-          <p:cNvPr id="185" name="" descr=""/>
-          <p:cNvPicPr/>
-          <p:nvPr/>
-        </p:nvPicPr>
-        <p:blipFill>
-          <a:blip r:embed="rId3"/>
-          <a:stretch/>
-        </p:blipFill>
-        <p:spPr>
-          <a:xfrm>
-            <a:off x="5220000" y="2700000"/>
-            <a:ext cx="4674240" cy="1079640"/>
+            <a:ext cx="4678920" cy="1049760"/>
           </a:xfrm>
           <a:prstGeom prst="rect">
             <a:avLst/>
@@ -15028,13 +14930,13 @@
           <p:nvPr/>
         </p:nvPicPr>
         <p:blipFill>
-          <a:blip r:embed="rId4"/>
+          <a:blip r:embed="rId3"/>
           <a:stretch/>
         </p:blipFill>
         <p:spPr>
           <a:xfrm>
-            <a:off x="360000" y="2700000"/>
-            <a:ext cx="4679640" cy="1079640"/>
+            <a:off x="5220000" y="2700000"/>
+            <a:ext cx="4673520" cy="1078920"/>
           </a:xfrm>
           <a:prstGeom prst="rect">
             <a:avLst/>
@@ -15051,13 +14953,36 @@
           <p:nvPr/>
         </p:nvPicPr>
         <p:blipFill>
+          <a:blip r:embed="rId4"/>
+          <a:stretch/>
+        </p:blipFill>
+        <p:spPr>
+          <a:xfrm>
+            <a:off x="360000" y="2700000"/>
+            <a:ext cx="4678920" cy="1078920"/>
+          </a:xfrm>
+          <a:prstGeom prst="rect">
+            <a:avLst/>
+          </a:prstGeom>
+          <a:ln w="0">
+            <a:noFill/>
+          </a:ln>
+        </p:spPr>
+      </p:pic>
+      <p:pic>
+        <p:nvPicPr>
+          <p:cNvPr id="188" name="" descr=""/>
+          <p:cNvPicPr/>
+          <p:nvPr/>
+        </p:nvPicPr>
+        <p:blipFill>
           <a:blip r:embed="rId5"/>
           <a:stretch/>
         </p:blipFill>
         <p:spPr>
           <a:xfrm>
             <a:off x="2160000" y="4189320"/>
-            <a:ext cx="5890320" cy="1210320"/>
+            <a:ext cx="5889600" cy="1209600"/>
           </a:xfrm>
           <a:prstGeom prst="rect">
             <a:avLst/>
@@ -15107,7 +15032,7 @@
       </p:grpSpPr>
       <p:sp>
         <p:nvSpPr>
-          <p:cNvPr id="188" name="PlaceHolder 1"/>
+          <p:cNvPr id="189" name="PlaceHolder 1"/>
           <p:cNvSpPr>
             <a:spLocks noGrp="1"/>
           </p:cNvSpPr>
@@ -15118,7 +15043,7 @@
         <p:spPr>
           <a:xfrm>
             <a:off x="504000" y="226080"/>
-            <a:ext cx="9070920" cy="945720"/>
+            <a:ext cx="9070200" cy="945000"/>
           </a:xfrm>
           <a:prstGeom prst="rect">
             <a:avLst/>
@@ -15166,7 +15091,7 @@
       </p:sp>
       <p:pic>
         <p:nvPicPr>
-          <p:cNvPr id="189" name="" descr=""/>
+          <p:cNvPr id="190" name="" descr=""/>
           <p:cNvPicPr/>
           <p:nvPr/>
         </p:nvPicPr>
@@ -15177,30 +15102,7 @@
         <p:spPr>
           <a:xfrm>
             <a:off x="214560" y="1260000"/>
-            <a:ext cx="2665080" cy="2159640"/>
-          </a:xfrm>
-          <a:prstGeom prst="rect">
-            <a:avLst/>
-          </a:prstGeom>
-          <a:ln w="0">
-            <a:noFill/>
-          </a:ln>
-        </p:spPr>
-      </p:pic>
-      <p:pic>
-        <p:nvPicPr>
-          <p:cNvPr id="190" name="" descr=""/>
-          <p:cNvPicPr/>
-          <p:nvPr/>
-        </p:nvPicPr>
-        <p:blipFill>
-          <a:blip r:embed="rId3"/>
-          <a:stretch/>
-        </p:blipFill>
-        <p:spPr>
-          <a:xfrm>
-            <a:off x="2880000" y="1266480"/>
-            <a:ext cx="2674080" cy="2153160"/>
+            <a:ext cx="2664360" cy="2158920"/>
           </a:xfrm>
           <a:prstGeom prst="rect">
             <a:avLst/>
@@ -15217,13 +15119,13 @@
           <p:nvPr/>
         </p:nvPicPr>
         <p:blipFill>
-          <a:blip r:embed="rId4"/>
+          <a:blip r:embed="rId3"/>
           <a:stretch/>
         </p:blipFill>
         <p:spPr>
           <a:xfrm>
-            <a:off x="1474560" y="3420000"/>
-            <a:ext cx="2665080" cy="2194920"/>
+            <a:off x="2880000" y="1266480"/>
+            <a:ext cx="2673360" cy="2152440"/>
           </a:xfrm>
           <a:prstGeom prst="rect">
             <a:avLst/>
@@ -15240,13 +15142,13 @@
           <p:nvPr/>
         </p:nvPicPr>
         <p:blipFill>
-          <a:blip r:embed="rId5"/>
+          <a:blip r:embed="rId4"/>
           <a:stretch/>
         </p:blipFill>
         <p:spPr>
           <a:xfrm>
-            <a:off x="8100000" y="2808000"/>
-            <a:ext cx="1694160" cy="1619640"/>
+            <a:off x="1474560" y="3420000"/>
+            <a:ext cx="2664360" cy="2194200"/>
           </a:xfrm>
           <a:prstGeom prst="rect">
             <a:avLst/>
@@ -15263,13 +15165,36 @@
           <p:nvPr/>
         </p:nvPicPr>
         <p:blipFill>
+          <a:blip r:embed="rId5"/>
+          <a:stretch/>
+        </p:blipFill>
+        <p:spPr>
+          <a:xfrm>
+            <a:off x="8100000" y="2808000"/>
+            <a:ext cx="1693440" cy="1618920"/>
+          </a:xfrm>
+          <a:prstGeom prst="rect">
+            <a:avLst/>
+          </a:prstGeom>
+          <a:ln w="0">
+            <a:noFill/>
+          </a:ln>
+        </p:spPr>
+      </p:pic>
+      <p:pic>
+        <p:nvPicPr>
+          <p:cNvPr id="194" name="" descr=""/>
+          <p:cNvPicPr/>
+          <p:nvPr/>
+        </p:nvPicPr>
+        <p:blipFill>
           <a:blip r:embed="rId6"/>
           <a:stretch/>
         </p:blipFill>
         <p:spPr>
           <a:xfrm>
             <a:off x="6257520" y="1853640"/>
-            <a:ext cx="1662120" cy="3186000"/>
+            <a:ext cx="1661400" cy="3185280"/>
           </a:xfrm>
           <a:prstGeom prst="rect">
             <a:avLst/>
@@ -15319,7 +15244,7 @@
       </p:grpSpPr>
       <p:sp>
         <p:nvSpPr>
-          <p:cNvPr id="194" name="PlaceHolder 1"/>
+          <p:cNvPr id="195" name="PlaceHolder 1"/>
           <p:cNvSpPr>
             <a:spLocks noGrp="1"/>
           </p:cNvSpPr>
@@ -15330,7 +15255,7 @@
         <p:spPr>
           <a:xfrm>
             <a:off x="504000" y="226080"/>
-            <a:ext cx="9070920" cy="945720"/>
+            <a:ext cx="9070200" cy="945000"/>
           </a:xfrm>
           <a:prstGeom prst="rect">
             <a:avLst/>
@@ -15365,7 +15290,7 @@
                 <a:uFillTx/>
                 <a:latin typeface="Comic Sans MS"/>
               </a:rPr>
-              <a:t>KPI + Costs</a:t>
+              <a:t>KPI AND COSTS</a:t>
             </a:r>
             <a:endParaRPr b="0" lang="es-ES" sz="4400" spc="-1" strike="noStrike">
               <a:solidFill>
@@ -15376,30 +15301,6 @@
           </a:p>
         </p:txBody>
       </p:sp>
-      <p:pic>
-        <p:nvPicPr>
-          <p:cNvPr id="195" name="" descr=""/>
-          <p:cNvPicPr/>
-          <p:nvPr/>
-        </p:nvPicPr>
-        <p:blipFill>
-          <a:blip r:embed="rId2"/>
-          <a:srcRect l="69211" t="0" r="0" b="0"/>
-          <a:stretch/>
-        </p:blipFill>
-        <p:spPr>
-          <a:xfrm>
-            <a:off x="932400" y="1800000"/>
-            <a:ext cx="1961640" cy="2037960"/>
-          </a:xfrm>
-          <a:prstGeom prst="rect">
-            <a:avLst/>
-          </a:prstGeom>
-          <a:ln w="0">
-            <a:noFill/>
-          </a:ln>
-        </p:spPr>
-      </p:pic>
       <p:pic>
         <p:nvPicPr>
           <p:cNvPr id="196" name="" descr=""/>
@@ -15407,14 +15308,14 @@
           <p:nvPr/>
         </p:nvPicPr>
         <p:blipFill>
-          <a:blip r:embed="rId3"/>
-          <a:srcRect l="69289" t="0" r="0" b="0"/>
+          <a:blip r:embed="rId2"/>
+          <a:srcRect l="69193" t="0" r="0" b="0"/>
           <a:stretch/>
         </p:blipFill>
         <p:spPr>
           <a:xfrm>
-            <a:off x="2900160" y="1800000"/>
-            <a:ext cx="1955520" cy="2039400"/>
+            <a:off x="932400" y="1800000"/>
+            <a:ext cx="1960920" cy="2037240"/>
           </a:xfrm>
           <a:prstGeom prst="rect">
             <a:avLst/>
@@ -15431,13 +15332,14 @@
           <p:nvPr/>
         </p:nvPicPr>
         <p:blipFill>
-          <a:blip r:embed="rId4"/>
+          <a:blip r:embed="rId3"/>
+          <a:srcRect l="69272" t="0" r="0" b="0"/>
           <a:stretch/>
         </p:blipFill>
         <p:spPr>
           <a:xfrm>
-            <a:off x="932400" y="3838320"/>
-            <a:ext cx="3927240" cy="733320"/>
+            <a:off x="2900160" y="1800000"/>
+            <a:ext cx="1954800" cy="2038680"/>
           </a:xfrm>
           <a:prstGeom prst="rect">
             <a:avLst/>
@@ -15454,13 +15356,36 @@
           <p:nvPr/>
         </p:nvPicPr>
         <p:blipFill>
+          <a:blip r:embed="rId4"/>
+          <a:stretch/>
+        </p:blipFill>
+        <p:spPr>
+          <a:xfrm>
+            <a:off x="932400" y="3838320"/>
+            <a:ext cx="3926520" cy="732600"/>
+          </a:xfrm>
+          <a:prstGeom prst="rect">
+            <a:avLst/>
+          </a:prstGeom>
+          <a:ln w="0">
+            <a:noFill/>
+          </a:ln>
+        </p:spPr>
+      </p:pic>
+      <p:pic>
+        <p:nvPicPr>
+          <p:cNvPr id="199" name="" descr=""/>
+          <p:cNvPicPr/>
+          <p:nvPr/>
+        </p:nvPicPr>
+        <p:blipFill>
           <a:blip r:embed="rId5"/>
           <a:stretch/>
         </p:blipFill>
         <p:spPr>
           <a:xfrm>
-            <a:off x="5220000" y="2380320"/>
-            <a:ext cx="3902760" cy="1399320"/>
+            <a:off x="5220000" y="1764000"/>
+            <a:ext cx="3960000" cy="2880000"/>
           </a:xfrm>
           <a:prstGeom prst="rect">
             <a:avLst/>
